--- a/figs.pptx
+++ b/figs.pptx
@@ -104,6 +104,11 @@
       </a:defRPr>
     </a:lvl9pPr>
   </p:defaultTextStyle>
+  <p:extLst>
+    <p:ext uri="{EFAFB233-063F-42B5-8137-9DF3F51BA10A}">
+      <p15:sldGuideLst xmlns:p15="http://schemas.microsoft.com/office/powerpoint/2012/main"/>
+    </p:ext>
+  </p:extLst>
 </p:presentation>
 </file>
 
@@ -238,7 +243,7 @@
           <a:p>
             <a:fld id="{FEB9F3C6-7DE9-0845-9093-50B66B4BEBAB}" type="datetimeFigureOut">
               <a:rPr lang="en-US" smtClean="0"/>
-              <a:t>7/12/16</a:t>
+              <a:t>7/14/16</a:t>
             </a:fld>
             <a:endParaRPr lang="en-US"/>
           </a:p>
@@ -408,7 +413,7 @@
           <a:p>
             <a:fld id="{FEB9F3C6-7DE9-0845-9093-50B66B4BEBAB}" type="datetimeFigureOut">
               <a:rPr lang="en-US" smtClean="0"/>
-              <a:t>7/12/16</a:t>
+              <a:t>7/14/16</a:t>
             </a:fld>
             <a:endParaRPr lang="en-US"/>
           </a:p>
@@ -588,7 +593,7 @@
           <a:p>
             <a:fld id="{FEB9F3C6-7DE9-0845-9093-50B66B4BEBAB}" type="datetimeFigureOut">
               <a:rPr lang="en-US" smtClean="0"/>
-              <a:t>7/12/16</a:t>
+              <a:t>7/14/16</a:t>
             </a:fld>
             <a:endParaRPr lang="en-US"/>
           </a:p>
@@ -758,7 +763,7 @@
           <a:p>
             <a:fld id="{FEB9F3C6-7DE9-0845-9093-50B66B4BEBAB}" type="datetimeFigureOut">
               <a:rPr lang="en-US" smtClean="0"/>
-              <a:t>7/12/16</a:t>
+              <a:t>7/14/16</a:t>
             </a:fld>
             <a:endParaRPr lang="en-US"/>
           </a:p>
@@ -1004,7 +1009,7 @@
           <a:p>
             <a:fld id="{FEB9F3C6-7DE9-0845-9093-50B66B4BEBAB}" type="datetimeFigureOut">
               <a:rPr lang="en-US" smtClean="0"/>
-              <a:t>7/12/16</a:t>
+              <a:t>7/14/16</a:t>
             </a:fld>
             <a:endParaRPr lang="en-US"/>
           </a:p>
@@ -1236,7 +1241,7 @@
           <a:p>
             <a:fld id="{FEB9F3C6-7DE9-0845-9093-50B66B4BEBAB}" type="datetimeFigureOut">
               <a:rPr lang="en-US" smtClean="0"/>
-              <a:t>7/12/16</a:t>
+              <a:t>7/14/16</a:t>
             </a:fld>
             <a:endParaRPr lang="en-US"/>
           </a:p>
@@ -1603,7 +1608,7 @@
           <a:p>
             <a:fld id="{FEB9F3C6-7DE9-0845-9093-50B66B4BEBAB}" type="datetimeFigureOut">
               <a:rPr lang="en-US" smtClean="0"/>
-              <a:t>7/12/16</a:t>
+              <a:t>7/14/16</a:t>
             </a:fld>
             <a:endParaRPr lang="en-US"/>
           </a:p>
@@ -1721,7 +1726,7 @@
           <a:p>
             <a:fld id="{FEB9F3C6-7DE9-0845-9093-50B66B4BEBAB}" type="datetimeFigureOut">
               <a:rPr lang="en-US" smtClean="0"/>
-              <a:t>7/12/16</a:t>
+              <a:t>7/14/16</a:t>
             </a:fld>
             <a:endParaRPr lang="en-US"/>
           </a:p>
@@ -1816,7 +1821,7 @@
           <a:p>
             <a:fld id="{FEB9F3C6-7DE9-0845-9093-50B66B4BEBAB}" type="datetimeFigureOut">
               <a:rPr lang="en-US" smtClean="0"/>
-              <a:t>7/12/16</a:t>
+              <a:t>7/14/16</a:t>
             </a:fld>
             <a:endParaRPr lang="en-US"/>
           </a:p>
@@ -2093,7 +2098,7 @@
           <a:p>
             <a:fld id="{FEB9F3C6-7DE9-0845-9093-50B66B4BEBAB}" type="datetimeFigureOut">
               <a:rPr lang="en-US" smtClean="0"/>
-              <a:t>7/12/16</a:t>
+              <a:t>7/14/16</a:t>
             </a:fld>
             <a:endParaRPr lang="en-US"/>
           </a:p>
@@ -2346,7 +2351,7 @@
           <a:p>
             <a:fld id="{FEB9F3C6-7DE9-0845-9093-50B66B4BEBAB}" type="datetimeFigureOut">
               <a:rPr lang="en-US" smtClean="0"/>
-              <a:t>7/12/16</a:t>
+              <a:t>7/14/16</a:t>
             </a:fld>
             <a:endParaRPr lang="en-US"/>
           </a:p>
@@ -2559,7 +2564,7 @@
           <a:p>
             <a:fld id="{FEB9F3C6-7DE9-0845-9093-50B66B4BEBAB}" type="datetimeFigureOut">
               <a:rPr lang="en-US" smtClean="0"/>
-              <a:t>7/12/16</a:t>
+              <a:t>7/14/16</a:t>
             </a:fld>
             <a:endParaRPr lang="en-US"/>
           </a:p>
@@ -3066,7 +3071,7 @@
         </p:nvSpPr>
         <p:spPr>
           <a:xfrm>
-            <a:off x="857574" y="4819973"/>
+            <a:off x="1316751" y="5260828"/>
             <a:ext cx="2448732" cy="1472339"/>
           </a:xfrm>
           <a:prstGeom prst="cloud">
@@ -3094,7 +3099,23 @@
           <a:lstStyle/>
           <a:p>
             <a:pPr algn="ctr"/>
-            <a:endParaRPr lang="en-US"/>
+            <a:endParaRPr lang="en-US" dirty="0" smtClean="0"/>
+          </a:p>
+          <a:p>
+            <a:pPr algn="ctr"/>
+            <a:endParaRPr lang="en-US" dirty="0"/>
+          </a:p>
+          <a:p>
+            <a:pPr algn="ctr"/>
+            <a:endParaRPr lang="en-US" dirty="0" smtClean="0"/>
+          </a:p>
+          <a:p>
+            <a:pPr algn="ctr"/>
+            <a:r>
+              <a:rPr lang="en-US" dirty="0" smtClean="0"/>
+              <a:t>Silo 1</a:t>
+            </a:r>
+            <a:endParaRPr lang="en-US" dirty="0" smtClean="0"/>
           </a:p>
         </p:txBody>
       </p:sp>
@@ -3106,8 +3127,8 @@
         </p:nvSpPr>
         <p:spPr>
           <a:xfrm>
-            <a:off x="3414794" y="4819973"/>
-            <a:ext cx="2448732" cy="1472339"/>
+            <a:off x="4521849" y="5260828"/>
+            <a:ext cx="2586873" cy="1472339"/>
           </a:xfrm>
           <a:prstGeom prst="cloud">
             <a:avLst/>
@@ -3134,7 +3155,23 @@
           <a:lstStyle/>
           <a:p>
             <a:pPr algn="ctr"/>
-            <a:endParaRPr lang="en-US"/>
+            <a:endParaRPr lang="en-US" dirty="0"/>
+          </a:p>
+          <a:p>
+            <a:pPr algn="ctr"/>
+            <a:endParaRPr lang="en-US" dirty="0" smtClean="0"/>
+          </a:p>
+          <a:p>
+            <a:pPr algn="ctr"/>
+            <a:endParaRPr lang="en-US" dirty="0"/>
+          </a:p>
+          <a:p>
+            <a:pPr algn="ctr"/>
+            <a:r>
+              <a:rPr lang="en-US" dirty="0" smtClean="0"/>
+              <a:t>Silo 2</a:t>
+            </a:r>
+            <a:endParaRPr lang="en-US" dirty="0"/>
           </a:p>
         </p:txBody>
       </p:sp>
@@ -3146,7 +3183,7 @@
         </p:nvSpPr>
         <p:spPr>
           <a:xfrm>
-            <a:off x="1431011" y="5129939"/>
+            <a:off x="1943967" y="5591457"/>
             <a:ext cx="387458" cy="542441"/>
           </a:xfrm>
           <a:prstGeom prst="can">
@@ -3189,7 +3226,7 @@
         </p:nvSpPr>
         <p:spPr>
           <a:xfrm>
-            <a:off x="1908874" y="5158354"/>
+            <a:off x="2421830" y="5619872"/>
             <a:ext cx="387458" cy="542441"/>
           </a:xfrm>
           <a:prstGeom prst="can">
@@ -3232,7 +3269,7 @@
         </p:nvSpPr>
         <p:spPr>
           <a:xfrm>
-            <a:off x="2466818" y="5204847"/>
+            <a:off x="2979774" y="5666365"/>
             <a:ext cx="387458" cy="542441"/>
           </a:xfrm>
           <a:prstGeom prst="can">
@@ -3275,7 +3312,7 @@
         </p:nvSpPr>
         <p:spPr>
           <a:xfrm>
-            <a:off x="3815165" y="5235845"/>
+            <a:off x="4976476" y="5622703"/>
             <a:ext cx="387458" cy="542441"/>
           </a:xfrm>
           <a:prstGeom prst="can">
@@ -3318,7 +3355,7 @@
         </p:nvSpPr>
         <p:spPr>
           <a:xfrm>
-            <a:off x="4293028" y="5264260"/>
+            <a:off x="5454339" y="5651118"/>
             <a:ext cx="387458" cy="542441"/>
           </a:xfrm>
           <a:prstGeom prst="can">
@@ -3361,7 +3398,7 @@
         </p:nvSpPr>
         <p:spPr>
           <a:xfrm>
-            <a:off x="4850972" y="5310753"/>
+            <a:off x="6012283" y="5697611"/>
             <a:ext cx="387458" cy="542441"/>
           </a:xfrm>
           <a:prstGeom prst="can">
@@ -3434,8 +3471,27 @@
             <a:pPr algn="ctr"/>
             <a:r>
               <a:rPr lang="en-US" sz="2400" dirty="0" smtClean="0"/>
-              <a:t>Linkage Graph</a:t>
-            </a:r>
+              <a:t>Linkage </a:t>
+            </a:r>
+            <a:r>
+              <a:rPr lang="en-US" sz="2400" dirty="0" smtClean="0"/>
+              <a:t>Graph</a:t>
+            </a:r>
+          </a:p>
+          <a:p>
+            <a:pPr algn="ctr"/>
+            <a:endParaRPr lang="en-US" sz="2400" dirty="0"/>
+          </a:p>
+          <a:p>
+            <a:pPr algn="ctr"/>
+            <a:endParaRPr lang="en-US" sz="2400" dirty="0" smtClean="0"/>
+          </a:p>
+          <a:p>
+            <a:pPr algn="ctr"/>
+            <a:endParaRPr lang="en-US" sz="2400" dirty="0"/>
+          </a:p>
+          <a:p>
+            <a:pPr algn="ctr"/>
             <a:endParaRPr lang="en-US" sz="2400" dirty="0"/>
           </a:p>
         </p:txBody>
@@ -3448,7 +3504,7 @@
         </p:nvGrpSpPr>
         <p:grpSpPr>
           <a:xfrm>
-            <a:off x="8309408" y="3601655"/>
+            <a:off x="8501134" y="3262443"/>
             <a:ext cx="1595787" cy="865322"/>
             <a:chOff x="8384583" y="604434"/>
             <a:chExt cx="1595787" cy="865322"/>
@@ -3869,46 +3925,6 @@
       </p:grpSp>
       <p:sp>
         <p:nvSpPr>
-          <p:cNvPr id="54" name="Down Arrow 53"/>
-          <p:cNvSpPr/>
-          <p:nvPr/>
-        </p:nvSpPr>
-        <p:spPr>
-          <a:xfrm rot="16200000">
-            <a:off x="7532177" y="3893075"/>
-            <a:ext cx="493093" cy="457665"/>
-          </a:xfrm>
-          <a:prstGeom prst="downArrow">
-            <a:avLst/>
-          </a:prstGeom>
-        </p:spPr>
-        <p:style>
-          <a:lnRef idx="2">
-            <a:schemeClr val="accent1">
-              <a:shade val="50000"/>
-            </a:schemeClr>
-          </a:lnRef>
-          <a:fillRef idx="1">
-            <a:schemeClr val="accent1"/>
-          </a:fillRef>
-          <a:effectRef idx="0">
-            <a:schemeClr val="accent1"/>
-          </a:effectRef>
-          <a:fontRef idx="minor">
-            <a:schemeClr val="lt1"/>
-          </a:fontRef>
-        </p:style>
-        <p:txBody>
-          <a:bodyPr rtlCol="0" anchor="ctr"/>
-          <a:lstStyle/>
-          <a:p>
-            <a:pPr algn="ctr"/>
-            <a:endParaRPr lang="en-US"/>
-          </a:p>
-        </p:txBody>
-      </p:sp>
-      <p:sp>
-        <p:nvSpPr>
           <p:cNvPr id="55" name="Left-Right Arrow 54"/>
           <p:cNvSpPr/>
           <p:nvPr/>
@@ -3956,7 +3972,7 @@
         <p:spPr>
           <a:xfrm>
             <a:off x="1079714" y="2087751"/>
-            <a:ext cx="2015330" cy="2479086"/>
+            <a:ext cx="2024440" cy="2600738"/>
           </a:xfrm>
           <a:prstGeom prst="rect">
             <a:avLst/>
@@ -4050,12 +4066,8 @@
           <a:p>
             <a:pPr algn="ctr"/>
             <a:r>
-              <a:rPr lang="en-US" sz="2400" dirty="0" err="1" smtClean="0"/>
-              <a:t>Polystore</a:t>
-            </a:r>
-            <a:r>
               <a:rPr lang="en-US" sz="2400" dirty="0" smtClean="0"/>
-              <a:t> Curation</a:t>
+              <a:t>Query Processing</a:t>
             </a:r>
             <a:endParaRPr lang="en-US" sz="2400" dirty="0"/>
           </a:p>
@@ -4102,6 +4114,89 @@
           <a:p>
             <a:pPr algn="ctr"/>
             <a:endParaRPr lang="en-US"/>
+          </a:p>
+        </p:txBody>
+      </p:sp>
+      <p:sp>
+        <p:nvSpPr>
+          <p:cNvPr id="28" name="Left-Right Arrow 27"/>
+          <p:cNvSpPr/>
+          <p:nvPr/>
+        </p:nvSpPr>
+        <p:spPr>
+          <a:xfrm>
+            <a:off x="7397322" y="3751065"/>
+            <a:ext cx="673904" cy="371959"/>
+          </a:xfrm>
+          <a:prstGeom prst="leftRightArrow">
+            <a:avLst/>
+          </a:prstGeom>
+        </p:spPr>
+        <p:style>
+          <a:lnRef idx="2">
+            <a:schemeClr val="accent1">
+              <a:shade val="50000"/>
+            </a:schemeClr>
+          </a:lnRef>
+          <a:fillRef idx="1">
+            <a:schemeClr val="accent1"/>
+          </a:fillRef>
+          <a:effectRef idx="0">
+            <a:schemeClr val="accent1"/>
+          </a:effectRef>
+          <a:fontRef idx="minor">
+            <a:schemeClr val="lt1"/>
+          </a:fontRef>
+        </p:style>
+        <p:txBody>
+          <a:bodyPr rtlCol="0" anchor="ctr"/>
+          <a:lstStyle/>
+          <a:p>
+            <a:pPr algn="ctr"/>
+            <a:endParaRPr lang="en-US"/>
+          </a:p>
+        </p:txBody>
+      </p:sp>
+      <p:sp>
+        <p:nvSpPr>
+          <p:cNvPr id="32" name="Rectangle 31"/>
+          <p:cNvSpPr/>
+          <p:nvPr/>
+        </p:nvSpPr>
+        <p:spPr>
+          <a:xfrm>
+            <a:off x="1077132" y="4688489"/>
+            <a:ext cx="6307810" cy="498678"/>
+          </a:xfrm>
+          <a:prstGeom prst="rect">
+            <a:avLst/>
+          </a:prstGeom>
+          <a:ln>
+            <a:noFill/>
+          </a:ln>
+        </p:spPr>
+        <p:style>
+          <a:lnRef idx="2">
+            <a:schemeClr val="accent1">
+              <a:shade val="50000"/>
+            </a:schemeClr>
+          </a:lnRef>
+          <a:fillRef idx="1">
+            <a:schemeClr val="accent1"/>
+          </a:fillRef>
+          <a:effectRef idx="0">
+            <a:schemeClr val="accent1"/>
+          </a:effectRef>
+          <a:fontRef idx="minor">
+            <a:schemeClr val="lt1"/>
+          </a:fontRef>
+        </p:style>
+        <p:txBody>
+          <a:bodyPr rtlCol="0" anchor="ctr"/>
+          <a:lstStyle/>
+          <a:p>
+            <a:pPr algn="ctr"/>
+            <a:endParaRPr lang="en-US" sz="2400" dirty="0"/>
           </a:p>
         </p:txBody>
       </p:sp>

--- a/figs.pptx
+++ b/figs.pptx
@@ -2977,8 +2977,8 @@
         </p:nvSpPr>
         <p:spPr>
           <a:xfrm>
-            <a:off x="3414794" y="3385088"/>
-            <a:ext cx="3983067" cy="1124919"/>
+            <a:off x="3223260" y="3385088"/>
+            <a:ext cx="4174601" cy="1124919"/>
           </a:xfrm>
           <a:prstGeom prst="rect">
             <a:avLst/>
@@ -3024,8 +3024,8 @@
         </p:nvSpPr>
         <p:spPr>
           <a:xfrm>
-            <a:off x="3414794" y="2129725"/>
-            <a:ext cx="3983066" cy="1104900"/>
+            <a:off x="3223260" y="2129725"/>
+            <a:ext cx="4174600" cy="1104900"/>
           </a:xfrm>
           <a:prstGeom prst="rect">
             <a:avLst/>
@@ -3115,7 +3115,6 @@
               <a:rPr lang="en-US" dirty="0" smtClean="0"/>
               <a:t>Silo 1</a:t>
             </a:r>
-            <a:endParaRPr lang="en-US" dirty="0" smtClean="0"/>
           </a:p>
         </p:txBody>
       </p:sp>
@@ -3471,11 +3470,7 @@
             <a:pPr algn="ctr"/>
             <a:r>
               <a:rPr lang="en-US" sz="2400" dirty="0" smtClean="0"/>
-              <a:t>Linkage </a:t>
-            </a:r>
-            <a:r>
-              <a:rPr lang="en-US" sz="2400" dirty="0" smtClean="0"/>
-              <a:t>Graph</a:t>
+              <a:t>Linkage Graph</a:t>
             </a:r>
           </a:p>
           <a:p>
@@ -4034,7 +4029,7 @@
         </p:nvSpPr>
         <p:spPr>
           <a:xfrm>
-            <a:off x="1077132" y="668041"/>
+            <a:off x="1077132" y="930931"/>
             <a:ext cx="6307810" cy="1074226"/>
           </a:xfrm>
           <a:prstGeom prst="rect">
@@ -4165,8 +4160,8 @@
         </p:nvSpPr>
         <p:spPr>
           <a:xfrm>
-            <a:off x="1077132" y="4688489"/>
-            <a:ext cx="6307810" cy="498678"/>
+            <a:off x="1077132" y="4630697"/>
+            <a:ext cx="6307810" cy="556470"/>
           </a:xfrm>
           <a:prstGeom prst="rect">
             <a:avLst/>

--- a/figs.pptx
+++ b/figs.pptx
@@ -3440,7 +3440,7 @@
         </p:nvSpPr>
         <p:spPr>
           <a:xfrm>
-            <a:off x="8071764" y="1819759"/>
+            <a:off x="8071226" y="2019706"/>
             <a:ext cx="2526224" cy="2810938"/>
           </a:xfrm>
           <a:prstGeom prst="can">
@@ -4076,7 +4076,7 @@
         </p:nvSpPr>
         <p:spPr>
           <a:xfrm rot="16200000">
-            <a:off x="8047067" y="372345"/>
+            <a:off x="7970109" y="575945"/>
             <a:ext cx="903745" cy="1991083"/>
           </a:xfrm>
           <a:prstGeom prst="leftUpArrow">

--- a/figs.pptx
+++ b/figs.pptx
@@ -6,6 +6,7 @@
   </p:sldMasterIdLst>
   <p:sldIdLst>
     <p:sldId id="256" r:id="rId2"/>
+    <p:sldId id="257" r:id="rId3"/>
   </p:sldIdLst>
   <p:sldSz cx="12192000" cy="6858000"/>
   <p:notesSz cx="6858000" cy="9144000"/>
@@ -243,7 +244,7 @@
           <a:p>
             <a:fld id="{FEB9F3C6-7DE9-0845-9093-50B66B4BEBAB}" type="datetimeFigureOut">
               <a:rPr lang="en-US" smtClean="0"/>
-              <a:t>7/14/16</a:t>
+              <a:t>7/17/16</a:t>
             </a:fld>
             <a:endParaRPr lang="en-US"/>
           </a:p>
@@ -413,7 +414,7 @@
           <a:p>
             <a:fld id="{FEB9F3C6-7DE9-0845-9093-50B66B4BEBAB}" type="datetimeFigureOut">
               <a:rPr lang="en-US" smtClean="0"/>
-              <a:t>7/14/16</a:t>
+              <a:t>7/17/16</a:t>
             </a:fld>
             <a:endParaRPr lang="en-US"/>
           </a:p>
@@ -593,7 +594,7 @@
           <a:p>
             <a:fld id="{FEB9F3C6-7DE9-0845-9093-50B66B4BEBAB}" type="datetimeFigureOut">
               <a:rPr lang="en-US" smtClean="0"/>
-              <a:t>7/14/16</a:t>
+              <a:t>7/17/16</a:t>
             </a:fld>
             <a:endParaRPr lang="en-US"/>
           </a:p>
@@ -763,7 +764,7 @@
           <a:p>
             <a:fld id="{FEB9F3C6-7DE9-0845-9093-50B66B4BEBAB}" type="datetimeFigureOut">
               <a:rPr lang="en-US" smtClean="0"/>
-              <a:t>7/14/16</a:t>
+              <a:t>7/17/16</a:t>
             </a:fld>
             <a:endParaRPr lang="en-US"/>
           </a:p>
@@ -1009,7 +1010,7 @@
           <a:p>
             <a:fld id="{FEB9F3C6-7DE9-0845-9093-50B66B4BEBAB}" type="datetimeFigureOut">
               <a:rPr lang="en-US" smtClean="0"/>
-              <a:t>7/14/16</a:t>
+              <a:t>7/17/16</a:t>
             </a:fld>
             <a:endParaRPr lang="en-US"/>
           </a:p>
@@ -1241,7 +1242,7 @@
           <a:p>
             <a:fld id="{FEB9F3C6-7DE9-0845-9093-50B66B4BEBAB}" type="datetimeFigureOut">
               <a:rPr lang="en-US" smtClean="0"/>
-              <a:t>7/14/16</a:t>
+              <a:t>7/17/16</a:t>
             </a:fld>
             <a:endParaRPr lang="en-US"/>
           </a:p>
@@ -1608,7 +1609,7 @@
           <a:p>
             <a:fld id="{FEB9F3C6-7DE9-0845-9093-50B66B4BEBAB}" type="datetimeFigureOut">
               <a:rPr lang="en-US" smtClean="0"/>
-              <a:t>7/14/16</a:t>
+              <a:t>7/17/16</a:t>
             </a:fld>
             <a:endParaRPr lang="en-US"/>
           </a:p>
@@ -1726,7 +1727,7 @@
           <a:p>
             <a:fld id="{FEB9F3C6-7DE9-0845-9093-50B66B4BEBAB}" type="datetimeFigureOut">
               <a:rPr lang="en-US" smtClean="0"/>
-              <a:t>7/14/16</a:t>
+              <a:t>7/17/16</a:t>
             </a:fld>
             <a:endParaRPr lang="en-US"/>
           </a:p>
@@ -1821,7 +1822,7 @@
           <a:p>
             <a:fld id="{FEB9F3C6-7DE9-0845-9093-50B66B4BEBAB}" type="datetimeFigureOut">
               <a:rPr lang="en-US" smtClean="0"/>
-              <a:t>7/14/16</a:t>
+              <a:t>7/17/16</a:t>
             </a:fld>
             <a:endParaRPr lang="en-US"/>
           </a:p>
@@ -2098,7 +2099,7 @@
           <a:p>
             <a:fld id="{FEB9F3C6-7DE9-0845-9093-50B66B4BEBAB}" type="datetimeFigureOut">
               <a:rPr lang="en-US" smtClean="0"/>
-              <a:t>7/14/16</a:t>
+              <a:t>7/17/16</a:t>
             </a:fld>
             <a:endParaRPr lang="en-US"/>
           </a:p>
@@ -2351,7 +2352,7 @@
           <a:p>
             <a:fld id="{FEB9F3C6-7DE9-0845-9093-50B66B4BEBAB}" type="datetimeFigureOut">
               <a:rPr lang="en-US" smtClean="0"/>
-              <a:t>7/14/16</a:t>
+              <a:t>7/17/16</a:t>
             </a:fld>
             <a:endParaRPr lang="en-US"/>
           </a:p>
@@ -2564,7 +2565,7 @@
           <a:p>
             <a:fld id="{FEB9F3C6-7DE9-0845-9093-50B66B4BEBAB}" type="datetimeFigureOut">
               <a:rPr lang="en-US" smtClean="0"/>
-              <a:t>7/14/16</a:t>
+              <a:t>7/17/16</a:t>
             </a:fld>
             <a:endParaRPr lang="en-US"/>
           </a:p>
@@ -4208,6 +4209,1498 @@
 </p:sld>
 </file>
 
+<file path=ppt/slides/slide2.xml><?xml version="1.0" encoding="utf-8"?>
+<p:sld xmlns:a="http://schemas.openxmlformats.org/drawingml/2006/main" xmlns:r="http://schemas.openxmlformats.org/officeDocument/2006/relationships" xmlns:p="http://schemas.openxmlformats.org/presentationml/2006/main">
+  <p:cSld>
+    <p:spTree>
+      <p:nvGrpSpPr>
+        <p:cNvPr id="1" name=""/>
+        <p:cNvGrpSpPr/>
+        <p:nvPr/>
+      </p:nvGrpSpPr>
+      <p:grpSpPr>
+        <a:xfrm>
+          <a:off x="0" y="0"/>
+          <a:ext cx="0" cy="0"/>
+          <a:chOff x="0" y="0"/>
+          <a:chExt cx="0" cy="0"/>
+        </a:xfrm>
+      </p:grpSpPr>
+      <p:grpSp>
+        <p:nvGrpSpPr>
+          <p:cNvPr id="6" name="Group 5"/>
+          <p:cNvGrpSpPr/>
+          <p:nvPr/>
+        </p:nvGrpSpPr>
+        <p:grpSpPr>
+          <a:xfrm>
+            <a:off x="1077132" y="558596"/>
+            <a:ext cx="9520318" cy="6174571"/>
+            <a:chOff x="1077132" y="558596"/>
+            <a:chExt cx="9520318" cy="6174571"/>
+          </a:xfrm>
+        </p:grpSpPr>
+        <p:sp>
+          <p:nvSpPr>
+            <p:cNvPr id="4" name="Rectangle 3"/>
+            <p:cNvSpPr/>
+            <p:nvPr/>
+          </p:nvSpPr>
+          <p:spPr>
+            <a:xfrm>
+              <a:off x="2809288" y="2125848"/>
+              <a:ext cx="4588572" cy="2384160"/>
+            </a:xfrm>
+            <a:prstGeom prst="rect">
+              <a:avLst/>
+            </a:prstGeom>
+            <a:ln>
+              <a:noFill/>
+            </a:ln>
+          </p:spPr>
+          <p:style>
+            <a:lnRef idx="2">
+              <a:schemeClr val="accent1">
+                <a:shade val="50000"/>
+              </a:schemeClr>
+            </a:lnRef>
+            <a:fillRef idx="1">
+              <a:schemeClr val="accent1"/>
+            </a:fillRef>
+            <a:effectRef idx="0">
+              <a:schemeClr val="accent1"/>
+            </a:effectRef>
+            <a:fontRef idx="minor">
+              <a:schemeClr val="lt1"/>
+            </a:fontRef>
+          </p:style>
+          <p:txBody>
+            <a:bodyPr tIns="0" bIns="1005840" rtlCol="0" anchor="ctr"/>
+            <a:lstStyle/>
+            <a:p>
+              <a:pPr algn="ctr"/>
+              <a:r>
+                <a:rPr lang="en-US" sz="2400" smtClean="0"/>
+                <a:t>Discovery</a:t>
+              </a:r>
+              <a:endParaRPr lang="en-US" sz="2400"/>
+            </a:p>
+          </p:txBody>
+        </p:sp>
+        <p:sp>
+          <p:nvSpPr>
+            <p:cNvPr id="7" name="Cloud 6"/>
+            <p:cNvSpPr/>
+            <p:nvPr/>
+          </p:nvSpPr>
+          <p:spPr>
+            <a:xfrm>
+              <a:off x="1316751" y="5260828"/>
+              <a:ext cx="2448732" cy="1472339"/>
+            </a:xfrm>
+            <a:prstGeom prst="cloud">
+              <a:avLst/>
+            </a:prstGeom>
+          </p:spPr>
+          <p:style>
+            <a:lnRef idx="2">
+              <a:schemeClr val="accent1">
+                <a:shade val="50000"/>
+              </a:schemeClr>
+            </a:lnRef>
+            <a:fillRef idx="1">
+              <a:schemeClr val="accent1"/>
+            </a:fillRef>
+            <a:effectRef idx="0">
+              <a:schemeClr val="accent1"/>
+            </a:effectRef>
+            <a:fontRef idx="minor">
+              <a:schemeClr val="lt1"/>
+            </a:fontRef>
+          </p:style>
+          <p:txBody>
+            <a:bodyPr rtlCol="0" anchor="ctr"/>
+            <a:lstStyle/>
+            <a:p>
+              <a:pPr algn="ctr"/>
+              <a:endParaRPr lang="en-US" dirty="0" smtClean="0"/>
+            </a:p>
+            <a:p>
+              <a:pPr algn="ctr"/>
+              <a:endParaRPr lang="en-US" dirty="0"/>
+            </a:p>
+            <a:p>
+              <a:pPr algn="ctr"/>
+              <a:endParaRPr lang="en-US" dirty="0" smtClean="0"/>
+            </a:p>
+            <a:p>
+              <a:pPr algn="ctr"/>
+              <a:r>
+                <a:rPr lang="en-US" dirty="0" smtClean="0"/>
+                <a:t>Silo 1</a:t>
+              </a:r>
+            </a:p>
+          </p:txBody>
+        </p:sp>
+        <p:sp>
+          <p:nvSpPr>
+            <p:cNvPr id="8" name="Cloud 7"/>
+            <p:cNvSpPr/>
+            <p:nvPr/>
+          </p:nvSpPr>
+          <p:spPr>
+            <a:xfrm>
+              <a:off x="4521849" y="5260828"/>
+              <a:ext cx="2586873" cy="1472339"/>
+            </a:xfrm>
+            <a:prstGeom prst="cloud">
+              <a:avLst/>
+            </a:prstGeom>
+          </p:spPr>
+          <p:style>
+            <a:lnRef idx="2">
+              <a:schemeClr val="accent1">
+                <a:shade val="50000"/>
+              </a:schemeClr>
+            </a:lnRef>
+            <a:fillRef idx="1">
+              <a:schemeClr val="accent1"/>
+            </a:fillRef>
+            <a:effectRef idx="0">
+              <a:schemeClr val="accent1"/>
+            </a:effectRef>
+            <a:fontRef idx="minor">
+              <a:schemeClr val="lt1"/>
+            </a:fontRef>
+          </p:style>
+          <p:txBody>
+            <a:bodyPr rtlCol="0" anchor="ctr"/>
+            <a:lstStyle/>
+            <a:p>
+              <a:pPr algn="ctr"/>
+              <a:endParaRPr lang="en-US" dirty="0"/>
+            </a:p>
+            <a:p>
+              <a:pPr algn="ctr"/>
+              <a:endParaRPr lang="en-US" dirty="0" smtClean="0"/>
+            </a:p>
+            <a:p>
+              <a:pPr algn="ctr"/>
+              <a:endParaRPr lang="en-US" dirty="0"/>
+            </a:p>
+            <a:p>
+              <a:pPr algn="ctr"/>
+              <a:r>
+                <a:rPr lang="en-US" dirty="0" smtClean="0"/>
+                <a:t>Silo 2</a:t>
+              </a:r>
+              <a:endParaRPr lang="en-US" dirty="0"/>
+            </a:p>
+          </p:txBody>
+        </p:sp>
+        <p:sp>
+          <p:nvSpPr>
+            <p:cNvPr id="10" name="Can 9"/>
+            <p:cNvSpPr/>
+            <p:nvPr/>
+          </p:nvSpPr>
+          <p:spPr>
+            <a:xfrm>
+              <a:off x="1943967" y="5591457"/>
+              <a:ext cx="387458" cy="542441"/>
+            </a:xfrm>
+            <a:prstGeom prst="can">
+              <a:avLst/>
+            </a:prstGeom>
+            <a:solidFill>
+              <a:schemeClr val="accent2"/>
+            </a:solidFill>
+          </p:spPr>
+          <p:style>
+            <a:lnRef idx="2">
+              <a:schemeClr val="accent1">
+                <a:shade val="50000"/>
+              </a:schemeClr>
+            </a:lnRef>
+            <a:fillRef idx="1">
+              <a:schemeClr val="accent1"/>
+            </a:fillRef>
+            <a:effectRef idx="0">
+              <a:schemeClr val="accent1"/>
+            </a:effectRef>
+            <a:fontRef idx="minor">
+              <a:schemeClr val="lt1"/>
+            </a:fontRef>
+          </p:style>
+          <p:txBody>
+            <a:bodyPr rtlCol="0" anchor="ctr"/>
+            <a:lstStyle/>
+            <a:p>
+              <a:pPr algn="ctr"/>
+              <a:endParaRPr lang="en-US"/>
+            </a:p>
+          </p:txBody>
+        </p:sp>
+        <p:sp>
+          <p:nvSpPr>
+            <p:cNvPr id="11" name="Can 10"/>
+            <p:cNvSpPr/>
+            <p:nvPr/>
+          </p:nvSpPr>
+          <p:spPr>
+            <a:xfrm>
+              <a:off x="2421830" y="5619872"/>
+              <a:ext cx="387458" cy="542441"/>
+            </a:xfrm>
+            <a:prstGeom prst="can">
+              <a:avLst/>
+            </a:prstGeom>
+            <a:solidFill>
+              <a:schemeClr val="accent2"/>
+            </a:solidFill>
+          </p:spPr>
+          <p:style>
+            <a:lnRef idx="2">
+              <a:schemeClr val="accent1">
+                <a:shade val="50000"/>
+              </a:schemeClr>
+            </a:lnRef>
+            <a:fillRef idx="1">
+              <a:schemeClr val="accent1"/>
+            </a:fillRef>
+            <a:effectRef idx="0">
+              <a:schemeClr val="accent1"/>
+            </a:effectRef>
+            <a:fontRef idx="minor">
+              <a:schemeClr val="lt1"/>
+            </a:fontRef>
+          </p:style>
+          <p:txBody>
+            <a:bodyPr rtlCol="0" anchor="ctr"/>
+            <a:lstStyle/>
+            <a:p>
+              <a:pPr algn="ctr"/>
+              <a:endParaRPr lang="en-US"/>
+            </a:p>
+          </p:txBody>
+        </p:sp>
+        <p:sp>
+          <p:nvSpPr>
+            <p:cNvPr id="12" name="Can 11"/>
+            <p:cNvSpPr/>
+            <p:nvPr/>
+          </p:nvSpPr>
+          <p:spPr>
+            <a:xfrm>
+              <a:off x="2979774" y="5666365"/>
+              <a:ext cx="387458" cy="542441"/>
+            </a:xfrm>
+            <a:prstGeom prst="can">
+              <a:avLst/>
+            </a:prstGeom>
+            <a:solidFill>
+              <a:schemeClr val="accent2"/>
+            </a:solidFill>
+          </p:spPr>
+          <p:style>
+            <a:lnRef idx="2">
+              <a:schemeClr val="accent1">
+                <a:shade val="50000"/>
+              </a:schemeClr>
+            </a:lnRef>
+            <a:fillRef idx="1">
+              <a:schemeClr val="accent1"/>
+            </a:fillRef>
+            <a:effectRef idx="0">
+              <a:schemeClr val="accent1"/>
+            </a:effectRef>
+            <a:fontRef idx="minor">
+              <a:schemeClr val="lt1"/>
+            </a:fontRef>
+          </p:style>
+          <p:txBody>
+            <a:bodyPr rtlCol="0" anchor="ctr"/>
+            <a:lstStyle/>
+            <a:p>
+              <a:pPr algn="ctr"/>
+              <a:endParaRPr lang="en-US"/>
+            </a:p>
+          </p:txBody>
+        </p:sp>
+        <p:sp>
+          <p:nvSpPr>
+            <p:cNvPr id="13" name="Can 12"/>
+            <p:cNvSpPr/>
+            <p:nvPr/>
+          </p:nvSpPr>
+          <p:spPr>
+            <a:xfrm>
+              <a:off x="4976476" y="5622703"/>
+              <a:ext cx="387458" cy="542441"/>
+            </a:xfrm>
+            <a:prstGeom prst="can">
+              <a:avLst/>
+            </a:prstGeom>
+            <a:solidFill>
+              <a:schemeClr val="accent2"/>
+            </a:solidFill>
+          </p:spPr>
+          <p:style>
+            <a:lnRef idx="2">
+              <a:schemeClr val="accent1">
+                <a:shade val="50000"/>
+              </a:schemeClr>
+            </a:lnRef>
+            <a:fillRef idx="1">
+              <a:schemeClr val="accent1"/>
+            </a:fillRef>
+            <a:effectRef idx="0">
+              <a:schemeClr val="accent1"/>
+            </a:effectRef>
+            <a:fontRef idx="minor">
+              <a:schemeClr val="lt1"/>
+            </a:fontRef>
+          </p:style>
+          <p:txBody>
+            <a:bodyPr rtlCol="0" anchor="ctr"/>
+            <a:lstStyle/>
+            <a:p>
+              <a:pPr algn="ctr"/>
+              <a:endParaRPr lang="en-US"/>
+            </a:p>
+          </p:txBody>
+        </p:sp>
+        <p:sp>
+          <p:nvSpPr>
+            <p:cNvPr id="14" name="Can 13"/>
+            <p:cNvSpPr/>
+            <p:nvPr/>
+          </p:nvSpPr>
+          <p:spPr>
+            <a:xfrm>
+              <a:off x="5454339" y="5651118"/>
+              <a:ext cx="387458" cy="542441"/>
+            </a:xfrm>
+            <a:prstGeom prst="can">
+              <a:avLst/>
+            </a:prstGeom>
+            <a:solidFill>
+              <a:schemeClr val="accent2"/>
+            </a:solidFill>
+          </p:spPr>
+          <p:style>
+            <a:lnRef idx="2">
+              <a:schemeClr val="accent1">
+                <a:shade val="50000"/>
+              </a:schemeClr>
+            </a:lnRef>
+            <a:fillRef idx="1">
+              <a:schemeClr val="accent1"/>
+            </a:fillRef>
+            <a:effectRef idx="0">
+              <a:schemeClr val="accent1"/>
+            </a:effectRef>
+            <a:fontRef idx="minor">
+              <a:schemeClr val="lt1"/>
+            </a:fontRef>
+          </p:style>
+          <p:txBody>
+            <a:bodyPr rtlCol="0" anchor="ctr"/>
+            <a:lstStyle/>
+            <a:p>
+              <a:pPr algn="ctr"/>
+              <a:endParaRPr lang="en-US"/>
+            </a:p>
+          </p:txBody>
+        </p:sp>
+        <p:sp>
+          <p:nvSpPr>
+            <p:cNvPr id="15" name="Can 14"/>
+            <p:cNvSpPr/>
+            <p:nvPr/>
+          </p:nvSpPr>
+          <p:spPr>
+            <a:xfrm>
+              <a:off x="6012283" y="5697611"/>
+              <a:ext cx="387458" cy="542441"/>
+            </a:xfrm>
+            <a:prstGeom prst="can">
+              <a:avLst/>
+            </a:prstGeom>
+            <a:solidFill>
+              <a:schemeClr val="accent2"/>
+            </a:solidFill>
+          </p:spPr>
+          <p:style>
+            <a:lnRef idx="2">
+              <a:schemeClr val="accent1">
+                <a:shade val="50000"/>
+              </a:schemeClr>
+            </a:lnRef>
+            <a:fillRef idx="1">
+              <a:schemeClr val="accent1"/>
+            </a:fillRef>
+            <a:effectRef idx="0">
+              <a:schemeClr val="accent1"/>
+            </a:effectRef>
+            <a:fontRef idx="minor">
+              <a:schemeClr val="lt1"/>
+            </a:fontRef>
+          </p:style>
+          <p:txBody>
+            <a:bodyPr rtlCol="0" anchor="ctr"/>
+            <a:lstStyle/>
+            <a:p>
+              <a:pPr algn="ctr"/>
+              <a:endParaRPr lang="en-US"/>
+            </a:p>
+          </p:txBody>
+        </p:sp>
+        <p:sp>
+          <p:nvSpPr>
+            <p:cNvPr id="24" name="Can 23"/>
+            <p:cNvSpPr/>
+            <p:nvPr/>
+          </p:nvSpPr>
+          <p:spPr>
+            <a:xfrm>
+              <a:off x="8071226" y="2019706"/>
+              <a:ext cx="2526224" cy="2810938"/>
+            </a:xfrm>
+            <a:prstGeom prst="can">
+              <a:avLst/>
+            </a:prstGeom>
+          </p:spPr>
+          <p:style>
+            <a:lnRef idx="2">
+              <a:schemeClr val="accent1">
+                <a:shade val="50000"/>
+              </a:schemeClr>
+            </a:lnRef>
+            <a:fillRef idx="1">
+              <a:schemeClr val="accent1"/>
+            </a:fillRef>
+            <a:effectRef idx="0">
+              <a:schemeClr val="accent1"/>
+            </a:effectRef>
+            <a:fontRef idx="minor">
+              <a:schemeClr val="lt1"/>
+            </a:fontRef>
+          </p:style>
+          <p:txBody>
+            <a:bodyPr rtlCol="0" anchor="ctr"/>
+            <a:lstStyle/>
+            <a:p>
+              <a:pPr algn="ctr"/>
+              <a:r>
+                <a:rPr lang="en-US" sz="2400" dirty="0" smtClean="0"/>
+                <a:t>Linkage Graph</a:t>
+              </a:r>
+            </a:p>
+            <a:p>
+              <a:pPr algn="ctr"/>
+              <a:endParaRPr lang="en-US" sz="2400" dirty="0"/>
+            </a:p>
+            <a:p>
+              <a:pPr algn="ctr"/>
+              <a:endParaRPr lang="en-US" sz="2400" dirty="0" smtClean="0"/>
+            </a:p>
+            <a:p>
+              <a:pPr algn="ctr"/>
+              <a:endParaRPr lang="en-US" sz="2400" dirty="0"/>
+            </a:p>
+            <a:p>
+              <a:pPr algn="ctr"/>
+              <a:endParaRPr lang="en-US" sz="2400" dirty="0"/>
+            </a:p>
+          </p:txBody>
+        </p:sp>
+        <p:grpSp>
+          <p:nvGrpSpPr>
+            <p:cNvPr id="48" name="Group 47"/>
+            <p:cNvGrpSpPr/>
+            <p:nvPr/>
+          </p:nvGrpSpPr>
+          <p:grpSpPr>
+            <a:xfrm>
+              <a:off x="8501134" y="3262443"/>
+              <a:ext cx="1595787" cy="865322"/>
+              <a:chOff x="8384583" y="604434"/>
+              <a:chExt cx="1595787" cy="865322"/>
+            </a:xfrm>
+          </p:grpSpPr>
+          <p:sp>
+            <p:nvSpPr>
+              <p:cNvPr id="25" name="Oval 24"/>
+              <p:cNvSpPr/>
+              <p:nvPr/>
+            </p:nvSpPr>
+            <p:spPr>
+              <a:xfrm>
+                <a:off x="8384583" y="604434"/>
+                <a:ext cx="237644" cy="232474"/>
+              </a:xfrm>
+              <a:prstGeom prst="ellipse">
+                <a:avLst/>
+              </a:prstGeom>
+              <a:solidFill>
+                <a:schemeClr val="accent2"/>
+              </a:solidFill>
+              <a:ln>
+                <a:solidFill>
+                  <a:schemeClr val="accent2"/>
+                </a:solidFill>
+              </a:ln>
+            </p:spPr>
+            <p:style>
+              <a:lnRef idx="2">
+                <a:schemeClr val="accent1">
+                  <a:shade val="50000"/>
+                </a:schemeClr>
+              </a:lnRef>
+              <a:fillRef idx="1">
+                <a:schemeClr val="accent1"/>
+              </a:fillRef>
+              <a:effectRef idx="0">
+                <a:schemeClr val="accent1"/>
+              </a:effectRef>
+              <a:fontRef idx="minor">
+                <a:schemeClr val="lt1"/>
+              </a:fontRef>
+            </p:style>
+            <p:txBody>
+              <a:bodyPr rtlCol="0" anchor="ctr"/>
+              <a:lstStyle/>
+              <a:p>
+                <a:pPr algn="ctr"/>
+                <a:endParaRPr lang="en-US" dirty="0">
+                  <a:solidFill>
+                    <a:schemeClr val="accent2"/>
+                  </a:solidFill>
+                </a:endParaRPr>
+              </a:p>
+            </p:txBody>
+          </p:sp>
+          <p:cxnSp>
+            <p:nvCxnSpPr>
+              <p:cNvPr id="27" name="Straight Connector 26"/>
+              <p:cNvCxnSpPr>
+                <a:stCxn id="25" idx="4"/>
+                <a:endCxn id="34" idx="2"/>
+              </p:cNvCxnSpPr>
+              <p:nvPr/>
+            </p:nvCxnSpPr>
+            <p:spPr>
+              <a:xfrm>
+                <a:off x="8503405" y="836908"/>
+                <a:ext cx="508858" cy="516611"/>
+              </a:xfrm>
+              <a:prstGeom prst="line">
+                <a:avLst/>
+              </a:prstGeom>
+              <a:ln>
+                <a:solidFill>
+                  <a:schemeClr val="accent2"/>
+                </a:solidFill>
+              </a:ln>
+            </p:spPr>
+            <p:style>
+              <a:lnRef idx="1">
+                <a:schemeClr val="accent1"/>
+              </a:lnRef>
+              <a:fillRef idx="0">
+                <a:schemeClr val="accent1"/>
+              </a:fillRef>
+              <a:effectRef idx="0">
+                <a:schemeClr val="accent1"/>
+              </a:effectRef>
+              <a:fontRef idx="minor">
+                <a:schemeClr val="tx1"/>
+              </a:fontRef>
+            </p:style>
+          </p:cxnSp>
+          <p:sp>
+            <p:nvSpPr>
+              <p:cNvPr id="29" name="Oval 28"/>
+              <p:cNvSpPr/>
+              <p:nvPr/>
+            </p:nvSpPr>
+            <p:spPr>
+              <a:xfrm>
+                <a:off x="9450835" y="870726"/>
+                <a:ext cx="237644" cy="232474"/>
+              </a:xfrm>
+              <a:prstGeom prst="ellipse">
+                <a:avLst/>
+              </a:prstGeom>
+              <a:solidFill>
+                <a:schemeClr val="accent2"/>
+              </a:solidFill>
+              <a:ln>
+                <a:solidFill>
+                  <a:schemeClr val="accent2"/>
+                </a:solidFill>
+              </a:ln>
+            </p:spPr>
+            <p:style>
+              <a:lnRef idx="2">
+                <a:schemeClr val="accent1">
+                  <a:shade val="50000"/>
+                </a:schemeClr>
+              </a:lnRef>
+              <a:fillRef idx="1">
+                <a:schemeClr val="accent1"/>
+              </a:fillRef>
+              <a:effectRef idx="0">
+                <a:schemeClr val="accent1"/>
+              </a:effectRef>
+              <a:fontRef idx="minor">
+                <a:schemeClr val="lt1"/>
+              </a:fontRef>
+            </p:style>
+            <p:txBody>
+              <a:bodyPr rtlCol="0" anchor="ctr"/>
+              <a:lstStyle/>
+              <a:p>
+                <a:pPr algn="ctr"/>
+                <a:endParaRPr lang="en-US">
+                  <a:solidFill>
+                    <a:schemeClr val="accent2"/>
+                  </a:solidFill>
+                </a:endParaRPr>
+              </a:p>
+            </p:txBody>
+          </p:sp>
+          <p:sp>
+            <p:nvSpPr>
+              <p:cNvPr id="30" name="Oval 29"/>
+              <p:cNvSpPr/>
+              <p:nvPr/>
+            </p:nvSpPr>
+            <p:spPr>
+              <a:xfrm>
+                <a:off x="9742726" y="1125803"/>
+                <a:ext cx="237644" cy="232474"/>
+              </a:xfrm>
+              <a:prstGeom prst="ellipse">
+                <a:avLst/>
+              </a:prstGeom>
+              <a:solidFill>
+                <a:schemeClr val="accent2"/>
+              </a:solidFill>
+              <a:ln>
+                <a:solidFill>
+                  <a:schemeClr val="accent2"/>
+                </a:solidFill>
+              </a:ln>
+            </p:spPr>
+            <p:style>
+              <a:lnRef idx="2">
+                <a:schemeClr val="accent1">
+                  <a:shade val="50000"/>
+                </a:schemeClr>
+              </a:lnRef>
+              <a:fillRef idx="1">
+                <a:schemeClr val="accent1"/>
+              </a:fillRef>
+              <a:effectRef idx="0">
+                <a:schemeClr val="accent1"/>
+              </a:effectRef>
+              <a:fontRef idx="minor">
+                <a:schemeClr val="lt1"/>
+              </a:fontRef>
+            </p:style>
+            <p:txBody>
+              <a:bodyPr rtlCol="0" anchor="ctr"/>
+              <a:lstStyle/>
+              <a:p>
+                <a:pPr algn="ctr"/>
+                <a:endParaRPr lang="en-US">
+                  <a:solidFill>
+                    <a:schemeClr val="accent2"/>
+                  </a:solidFill>
+                </a:endParaRPr>
+              </a:p>
+            </p:txBody>
+          </p:sp>
+          <p:sp>
+            <p:nvSpPr>
+              <p:cNvPr id="31" name="Oval 30"/>
+              <p:cNvSpPr/>
+              <p:nvPr/>
+            </p:nvSpPr>
+            <p:spPr>
+              <a:xfrm>
+                <a:off x="8937353" y="697425"/>
+                <a:ext cx="237644" cy="232474"/>
+              </a:xfrm>
+              <a:prstGeom prst="ellipse">
+                <a:avLst/>
+              </a:prstGeom>
+              <a:solidFill>
+                <a:schemeClr val="accent2"/>
+              </a:solidFill>
+              <a:ln>
+                <a:solidFill>
+                  <a:schemeClr val="accent2"/>
+                </a:solidFill>
+              </a:ln>
+            </p:spPr>
+            <p:style>
+              <a:lnRef idx="2">
+                <a:schemeClr val="accent1">
+                  <a:shade val="50000"/>
+                </a:schemeClr>
+              </a:lnRef>
+              <a:fillRef idx="1">
+                <a:schemeClr val="accent1"/>
+              </a:fillRef>
+              <a:effectRef idx="0">
+                <a:schemeClr val="accent1"/>
+              </a:effectRef>
+              <a:fontRef idx="minor">
+                <a:schemeClr val="lt1"/>
+              </a:fontRef>
+            </p:style>
+            <p:txBody>
+              <a:bodyPr rtlCol="0" anchor="ctr"/>
+              <a:lstStyle/>
+              <a:p>
+                <a:pPr algn="ctr"/>
+                <a:endParaRPr lang="en-US">
+                  <a:solidFill>
+                    <a:schemeClr val="accent2"/>
+                  </a:solidFill>
+                </a:endParaRPr>
+              </a:p>
+            </p:txBody>
+          </p:sp>
+          <p:sp>
+            <p:nvSpPr>
+              <p:cNvPr id="34" name="Oval 33"/>
+              <p:cNvSpPr/>
+              <p:nvPr/>
+            </p:nvSpPr>
+            <p:spPr>
+              <a:xfrm>
+                <a:off x="9012263" y="1237282"/>
+                <a:ext cx="237644" cy="232474"/>
+              </a:xfrm>
+              <a:prstGeom prst="ellipse">
+                <a:avLst/>
+              </a:prstGeom>
+              <a:solidFill>
+                <a:schemeClr val="accent2"/>
+              </a:solidFill>
+              <a:ln>
+                <a:solidFill>
+                  <a:schemeClr val="accent2"/>
+                </a:solidFill>
+              </a:ln>
+            </p:spPr>
+            <p:style>
+              <a:lnRef idx="2">
+                <a:schemeClr val="accent1">
+                  <a:shade val="50000"/>
+                </a:schemeClr>
+              </a:lnRef>
+              <a:fillRef idx="1">
+                <a:schemeClr val="accent1"/>
+              </a:fillRef>
+              <a:effectRef idx="0">
+                <a:schemeClr val="accent1"/>
+              </a:effectRef>
+              <a:fontRef idx="minor">
+                <a:schemeClr val="lt1"/>
+              </a:fontRef>
+            </p:style>
+            <p:txBody>
+              <a:bodyPr rtlCol="0" anchor="ctr"/>
+              <a:lstStyle/>
+              <a:p>
+                <a:pPr algn="ctr"/>
+                <a:endParaRPr lang="en-US">
+                  <a:solidFill>
+                    <a:schemeClr val="accent2"/>
+                  </a:solidFill>
+                </a:endParaRPr>
+              </a:p>
+            </p:txBody>
+          </p:sp>
+          <p:cxnSp>
+            <p:nvCxnSpPr>
+              <p:cNvPr id="38" name="Straight Connector 37"/>
+              <p:cNvCxnSpPr>
+                <a:stCxn id="25" idx="6"/>
+                <a:endCxn id="31" idx="2"/>
+              </p:cNvCxnSpPr>
+              <p:nvPr/>
+            </p:nvCxnSpPr>
+            <p:spPr>
+              <a:xfrm>
+                <a:off x="8622227" y="720671"/>
+                <a:ext cx="315126" cy="92991"/>
+              </a:xfrm>
+              <a:prstGeom prst="line">
+                <a:avLst/>
+              </a:prstGeom>
+              <a:ln>
+                <a:solidFill>
+                  <a:schemeClr val="accent2"/>
+                </a:solidFill>
+              </a:ln>
+            </p:spPr>
+            <p:style>
+              <a:lnRef idx="1">
+                <a:schemeClr val="accent1"/>
+              </a:lnRef>
+              <a:fillRef idx="0">
+                <a:schemeClr val="accent1"/>
+              </a:fillRef>
+              <a:effectRef idx="0">
+                <a:schemeClr val="accent1"/>
+              </a:effectRef>
+              <a:fontRef idx="minor">
+                <a:schemeClr val="tx1"/>
+              </a:fontRef>
+            </p:style>
+          </p:cxnSp>
+          <p:cxnSp>
+            <p:nvCxnSpPr>
+              <p:cNvPr id="40" name="Straight Connector 39"/>
+              <p:cNvCxnSpPr>
+                <a:stCxn id="31" idx="5"/>
+                <a:endCxn id="34" idx="0"/>
+              </p:cNvCxnSpPr>
+              <p:nvPr/>
+            </p:nvCxnSpPr>
+            <p:spPr>
+              <a:xfrm flipH="1">
+                <a:off x="9131085" y="895854"/>
+                <a:ext cx="9110" cy="341428"/>
+              </a:xfrm>
+              <a:prstGeom prst="line">
+                <a:avLst/>
+              </a:prstGeom>
+              <a:ln>
+                <a:solidFill>
+                  <a:schemeClr val="accent2"/>
+                </a:solidFill>
+              </a:ln>
+            </p:spPr>
+            <p:style>
+              <a:lnRef idx="1">
+                <a:schemeClr val="accent1"/>
+              </a:lnRef>
+              <a:fillRef idx="0">
+                <a:schemeClr val="accent1"/>
+              </a:fillRef>
+              <a:effectRef idx="0">
+                <a:schemeClr val="accent1"/>
+              </a:effectRef>
+              <a:fontRef idx="minor">
+                <a:schemeClr val="tx1"/>
+              </a:fontRef>
+            </p:style>
+          </p:cxnSp>
+          <p:cxnSp>
+            <p:nvCxnSpPr>
+              <p:cNvPr id="46" name="Straight Connector 45"/>
+              <p:cNvCxnSpPr>
+                <a:stCxn id="29" idx="4"/>
+                <a:endCxn id="30" idx="5"/>
+              </p:cNvCxnSpPr>
+              <p:nvPr/>
+            </p:nvCxnSpPr>
+            <p:spPr>
+              <a:xfrm>
+                <a:off x="9569657" y="1103200"/>
+                <a:ext cx="375911" cy="221032"/>
+              </a:xfrm>
+              <a:prstGeom prst="line">
+                <a:avLst/>
+              </a:prstGeom>
+              <a:ln>
+                <a:solidFill>
+                  <a:schemeClr val="accent2"/>
+                </a:solidFill>
+              </a:ln>
+            </p:spPr>
+            <p:style>
+              <a:lnRef idx="1">
+                <a:schemeClr val="accent1"/>
+              </a:lnRef>
+              <a:fillRef idx="0">
+                <a:schemeClr val="accent1"/>
+              </a:fillRef>
+              <a:effectRef idx="0">
+                <a:schemeClr val="accent1"/>
+              </a:effectRef>
+              <a:fontRef idx="minor">
+                <a:schemeClr val="tx1"/>
+              </a:fontRef>
+            </p:style>
+          </p:cxnSp>
+        </p:grpSp>
+        <p:sp>
+          <p:nvSpPr>
+            <p:cNvPr id="56" name="Rectangle 55"/>
+            <p:cNvSpPr/>
+            <p:nvPr/>
+          </p:nvSpPr>
+          <p:spPr>
+            <a:xfrm>
+              <a:off x="1079714" y="2125847"/>
+              <a:ext cx="1650727" cy="2562642"/>
+            </a:xfrm>
+            <a:prstGeom prst="rect">
+              <a:avLst/>
+            </a:prstGeom>
+            <a:ln>
+              <a:noFill/>
+            </a:ln>
+          </p:spPr>
+          <p:style>
+            <a:lnRef idx="2">
+              <a:schemeClr val="accent1">
+                <a:shade val="50000"/>
+              </a:schemeClr>
+            </a:lnRef>
+            <a:fillRef idx="1">
+              <a:schemeClr val="accent1"/>
+            </a:fillRef>
+            <a:effectRef idx="0">
+              <a:schemeClr val="accent1"/>
+            </a:effectRef>
+            <a:fontRef idx="minor">
+              <a:schemeClr val="lt1"/>
+            </a:fontRef>
+          </p:style>
+          <p:txBody>
+            <a:bodyPr rtlCol="0" anchor="ctr"/>
+            <a:lstStyle/>
+            <a:p>
+              <a:pPr algn="ctr"/>
+              <a:r>
+                <a:rPr lang="en-US" sz="2400" dirty="0" err="1" smtClean="0"/>
+                <a:t>Plystore</a:t>
+              </a:r>
+              <a:endParaRPr lang="en-US" sz="2400" dirty="0" smtClean="0"/>
+            </a:p>
+            <a:p>
+              <a:pPr algn="ctr"/>
+              <a:r>
+                <a:rPr lang="en-US" sz="2400" dirty="0" smtClean="0"/>
+                <a:t>(</a:t>
+              </a:r>
+              <a:r>
+                <a:rPr lang="en-US" sz="2400" dirty="0" err="1" smtClean="0"/>
+                <a:t>BigDawg</a:t>
+              </a:r>
+              <a:r>
+                <a:rPr lang="en-US" sz="2400" dirty="0" smtClean="0"/>
+                <a:t>)</a:t>
+              </a:r>
+              <a:endParaRPr lang="en-US" sz="2400" dirty="0"/>
+            </a:p>
+          </p:txBody>
+        </p:sp>
+        <p:sp>
+          <p:nvSpPr>
+            <p:cNvPr id="57" name="Rectangle 56"/>
+            <p:cNvSpPr/>
+            <p:nvPr/>
+          </p:nvSpPr>
+          <p:spPr>
+            <a:xfrm>
+              <a:off x="1077132" y="558596"/>
+              <a:ext cx="6307810" cy="1446561"/>
+            </a:xfrm>
+            <a:prstGeom prst="rect">
+              <a:avLst/>
+            </a:prstGeom>
+            <a:ln>
+              <a:noFill/>
+            </a:ln>
+          </p:spPr>
+          <p:style>
+            <a:lnRef idx="2">
+              <a:schemeClr val="accent1">
+                <a:shade val="50000"/>
+              </a:schemeClr>
+            </a:lnRef>
+            <a:fillRef idx="1">
+              <a:schemeClr val="accent1"/>
+            </a:fillRef>
+            <a:effectRef idx="0">
+              <a:schemeClr val="accent1"/>
+            </a:effectRef>
+            <a:fontRef idx="minor">
+              <a:schemeClr val="lt1"/>
+            </a:fontRef>
+          </p:style>
+          <p:txBody>
+            <a:bodyPr tIns="0" bIns="457200" rtlCol="0" anchor="ctr"/>
+            <a:lstStyle/>
+            <a:p>
+              <a:pPr algn="ctr"/>
+              <a:r>
+                <a:rPr lang="en-US" sz="2400" dirty="0" smtClean="0"/>
+                <a:t>Query Processing</a:t>
+              </a:r>
+              <a:endParaRPr lang="en-US" sz="2400" dirty="0"/>
+            </a:p>
+          </p:txBody>
+        </p:sp>
+        <p:sp>
+          <p:nvSpPr>
+            <p:cNvPr id="58" name="Left-Up Arrow 57"/>
+            <p:cNvSpPr/>
+            <p:nvPr/>
+          </p:nvSpPr>
+          <p:spPr>
+            <a:xfrm rot="16200000">
+              <a:off x="7970109" y="575945"/>
+              <a:ext cx="903745" cy="1991083"/>
+            </a:xfrm>
+            <a:prstGeom prst="leftUpArrow">
+              <a:avLst>
+                <a:gd name="adj1" fmla="val 17633"/>
+                <a:gd name="adj2" fmla="val 25000"/>
+                <a:gd name="adj3" fmla="val 25000"/>
+              </a:avLst>
+            </a:prstGeom>
+          </p:spPr>
+          <p:style>
+            <a:lnRef idx="2">
+              <a:schemeClr val="accent1">
+                <a:shade val="50000"/>
+              </a:schemeClr>
+            </a:lnRef>
+            <a:fillRef idx="1">
+              <a:schemeClr val="accent1"/>
+            </a:fillRef>
+            <a:effectRef idx="0">
+              <a:schemeClr val="accent1"/>
+            </a:effectRef>
+            <a:fontRef idx="minor">
+              <a:schemeClr val="lt1"/>
+            </a:fontRef>
+          </p:style>
+          <p:txBody>
+            <a:bodyPr rtlCol="0" anchor="ctr"/>
+            <a:lstStyle/>
+            <a:p>
+              <a:pPr algn="ctr"/>
+              <a:endParaRPr lang="en-US"/>
+            </a:p>
+          </p:txBody>
+        </p:sp>
+        <p:sp>
+          <p:nvSpPr>
+            <p:cNvPr id="28" name="Left-Right Arrow 27"/>
+            <p:cNvSpPr/>
+            <p:nvPr/>
+          </p:nvSpPr>
+          <p:spPr>
+            <a:xfrm>
+              <a:off x="7397322" y="3751065"/>
+              <a:ext cx="673904" cy="371959"/>
+            </a:xfrm>
+            <a:prstGeom prst="leftRightArrow">
+              <a:avLst/>
+            </a:prstGeom>
+          </p:spPr>
+          <p:style>
+            <a:lnRef idx="2">
+              <a:schemeClr val="accent1">
+                <a:shade val="50000"/>
+              </a:schemeClr>
+            </a:lnRef>
+            <a:fillRef idx="1">
+              <a:schemeClr val="accent1"/>
+            </a:fillRef>
+            <a:effectRef idx="0">
+              <a:schemeClr val="accent1"/>
+            </a:effectRef>
+            <a:fontRef idx="minor">
+              <a:schemeClr val="lt1"/>
+            </a:fontRef>
+          </p:style>
+          <p:txBody>
+            <a:bodyPr rtlCol="0" anchor="ctr"/>
+            <a:lstStyle/>
+            <a:p>
+              <a:pPr algn="ctr"/>
+              <a:endParaRPr lang="en-US"/>
+            </a:p>
+          </p:txBody>
+        </p:sp>
+        <p:sp>
+          <p:nvSpPr>
+            <p:cNvPr id="32" name="Rectangle 31"/>
+            <p:cNvSpPr/>
+            <p:nvPr/>
+          </p:nvSpPr>
+          <p:spPr>
+            <a:xfrm>
+              <a:off x="1077132" y="4630697"/>
+              <a:ext cx="6307810" cy="556470"/>
+            </a:xfrm>
+            <a:prstGeom prst="rect">
+              <a:avLst/>
+            </a:prstGeom>
+            <a:ln>
+              <a:noFill/>
+            </a:ln>
+          </p:spPr>
+          <p:style>
+            <a:lnRef idx="2">
+              <a:schemeClr val="accent1">
+                <a:shade val="50000"/>
+              </a:schemeClr>
+            </a:lnRef>
+            <a:fillRef idx="1">
+              <a:schemeClr val="accent1"/>
+            </a:fillRef>
+            <a:effectRef idx="0">
+              <a:schemeClr val="accent1"/>
+            </a:effectRef>
+            <a:fontRef idx="minor">
+              <a:schemeClr val="lt1"/>
+            </a:fontRef>
+          </p:style>
+          <p:txBody>
+            <a:bodyPr rtlCol="0" anchor="ctr"/>
+            <a:lstStyle/>
+            <a:p>
+              <a:pPr algn="ctr"/>
+              <a:endParaRPr lang="en-US" sz="2400" dirty="0"/>
+            </a:p>
+          </p:txBody>
+        </p:sp>
+        <p:sp>
+          <p:nvSpPr>
+            <p:cNvPr id="3" name="Rounded Rectangle 2"/>
+            <p:cNvSpPr/>
+            <p:nvPr/>
+          </p:nvSpPr>
+          <p:spPr>
+            <a:xfrm>
+              <a:off x="5472507" y="1299734"/>
+              <a:ext cx="1814362" cy="603504"/>
+            </a:xfrm>
+            <a:prstGeom prst="roundRect">
+              <a:avLst/>
+            </a:prstGeom>
+            <a:ln>
+              <a:solidFill>
+                <a:schemeClr val="accent5"/>
+              </a:solidFill>
+            </a:ln>
+          </p:spPr>
+          <p:style>
+            <a:lnRef idx="2">
+              <a:schemeClr val="accent1">
+                <a:shade val="50000"/>
+              </a:schemeClr>
+            </a:lnRef>
+            <a:fillRef idx="1">
+              <a:schemeClr val="accent1"/>
+            </a:fillRef>
+            <a:effectRef idx="0">
+              <a:schemeClr val="accent1"/>
+            </a:effectRef>
+            <a:fontRef idx="minor">
+              <a:schemeClr val="lt1"/>
+            </a:fontRef>
+          </p:style>
+          <p:txBody>
+            <a:bodyPr rtlCol="0" anchor="ctr"/>
+            <a:lstStyle/>
+            <a:p>
+              <a:pPr algn="ctr"/>
+              <a:r>
+                <a:rPr lang="en-US" dirty="0" smtClean="0"/>
+                <a:t>Data </a:t>
+              </a:r>
+            </a:p>
+            <a:p>
+              <a:pPr algn="ctr"/>
+              <a:r>
+                <a:rPr lang="en-US" dirty="0" err="1" smtClean="0"/>
+                <a:t>Stitcher</a:t>
+              </a:r>
+              <a:endParaRPr lang="en-US" dirty="0"/>
+            </a:p>
+          </p:txBody>
+        </p:sp>
+        <p:sp>
+          <p:nvSpPr>
+            <p:cNvPr id="41" name="Rounded Rectangle 40"/>
+            <p:cNvSpPr/>
+            <p:nvPr/>
+          </p:nvSpPr>
+          <p:spPr>
+            <a:xfrm>
+              <a:off x="2938292" y="3096303"/>
+              <a:ext cx="1343959" cy="1100740"/>
+            </a:xfrm>
+            <a:prstGeom prst="roundRect">
+              <a:avLst/>
+            </a:prstGeom>
+            <a:ln>
+              <a:solidFill>
+                <a:schemeClr val="accent5"/>
+              </a:solidFill>
+            </a:ln>
+          </p:spPr>
+          <p:style>
+            <a:lnRef idx="2">
+              <a:schemeClr val="accent1">
+                <a:shade val="50000"/>
+              </a:schemeClr>
+            </a:lnRef>
+            <a:fillRef idx="1">
+              <a:schemeClr val="accent1"/>
+            </a:fillRef>
+            <a:effectRef idx="0">
+              <a:schemeClr val="accent1"/>
+            </a:effectRef>
+            <a:fontRef idx="minor">
+              <a:schemeClr val="lt1"/>
+            </a:fontRef>
+          </p:style>
+          <p:txBody>
+            <a:bodyPr rtlCol="0" anchor="ctr"/>
+            <a:lstStyle/>
+            <a:p>
+              <a:pPr algn="ctr"/>
+              <a:r>
+                <a:rPr lang="en-US" dirty="0" smtClean="0"/>
+                <a:t>Cleanliness Estimator</a:t>
+              </a:r>
+              <a:endParaRPr lang="en-US" dirty="0"/>
+            </a:p>
+          </p:txBody>
+        </p:sp>
+        <p:sp>
+          <p:nvSpPr>
+            <p:cNvPr id="42" name="Rounded Rectangle 41"/>
+            <p:cNvSpPr/>
+            <p:nvPr/>
+          </p:nvSpPr>
+          <p:spPr>
+            <a:xfrm>
+              <a:off x="4353545" y="3090672"/>
+              <a:ext cx="1465313" cy="1100740"/>
+            </a:xfrm>
+            <a:prstGeom prst="roundRect">
+              <a:avLst/>
+            </a:prstGeom>
+            <a:ln>
+              <a:solidFill>
+                <a:schemeClr val="accent5"/>
+              </a:solidFill>
+            </a:ln>
+          </p:spPr>
+          <p:style>
+            <a:lnRef idx="2">
+              <a:schemeClr val="accent1">
+                <a:shade val="50000"/>
+              </a:schemeClr>
+            </a:lnRef>
+            <a:fillRef idx="1">
+              <a:schemeClr val="accent1"/>
+            </a:fillRef>
+            <a:effectRef idx="0">
+              <a:schemeClr val="accent1"/>
+            </a:effectRef>
+            <a:fontRef idx="minor">
+              <a:schemeClr val="lt1"/>
+            </a:fontRef>
+          </p:style>
+          <p:txBody>
+            <a:bodyPr rtlCol="0" anchor="ctr"/>
+            <a:lstStyle/>
+            <a:p>
+              <a:pPr algn="ctr"/>
+              <a:r>
+                <a:rPr lang="en-US" dirty="0" smtClean="0"/>
+                <a:t>Profiler</a:t>
+              </a:r>
+              <a:endParaRPr lang="en-US" dirty="0"/>
+            </a:p>
+          </p:txBody>
+        </p:sp>
+        <p:sp>
+          <p:nvSpPr>
+            <p:cNvPr id="43" name="Rounded Rectangle 42"/>
+            <p:cNvSpPr/>
+            <p:nvPr/>
+          </p:nvSpPr>
+          <p:spPr>
+            <a:xfrm>
+              <a:off x="5873249" y="3061932"/>
+              <a:ext cx="1465313" cy="1129479"/>
+            </a:xfrm>
+            <a:prstGeom prst="roundRect">
+              <a:avLst/>
+            </a:prstGeom>
+            <a:ln>
+              <a:solidFill>
+                <a:schemeClr val="accent5"/>
+              </a:solidFill>
+            </a:ln>
+          </p:spPr>
+          <p:style>
+            <a:lnRef idx="2">
+              <a:schemeClr val="accent1">
+                <a:shade val="50000"/>
+              </a:schemeClr>
+            </a:lnRef>
+            <a:fillRef idx="1">
+              <a:schemeClr val="accent1"/>
+            </a:fillRef>
+            <a:effectRef idx="0">
+              <a:schemeClr val="accent1"/>
+            </a:effectRef>
+            <a:fontRef idx="minor">
+              <a:schemeClr val="lt1"/>
+            </a:fontRef>
+          </p:style>
+          <p:txBody>
+            <a:bodyPr rtlCol="0" anchor="ctr"/>
+            <a:lstStyle/>
+            <a:p>
+              <a:pPr algn="ctr"/>
+              <a:r>
+                <a:rPr lang="en-US" dirty="0" smtClean="0"/>
+                <a:t>Graph Builder</a:t>
+              </a:r>
+              <a:endParaRPr lang="en-US" dirty="0"/>
+            </a:p>
+          </p:txBody>
+        </p:sp>
+        <p:sp>
+          <p:nvSpPr>
+            <p:cNvPr id="44" name="Rounded Rectangle 43"/>
+            <p:cNvSpPr/>
+            <p:nvPr/>
+          </p:nvSpPr>
+          <p:spPr>
+            <a:xfrm>
+              <a:off x="1150382" y="1299734"/>
+              <a:ext cx="1829392" cy="603504"/>
+            </a:xfrm>
+            <a:prstGeom prst="roundRect">
+              <a:avLst/>
+            </a:prstGeom>
+            <a:ln>
+              <a:solidFill>
+                <a:schemeClr val="accent5"/>
+              </a:solidFill>
+            </a:ln>
+          </p:spPr>
+          <p:style>
+            <a:lnRef idx="2">
+              <a:schemeClr val="accent1">
+                <a:shade val="50000"/>
+              </a:schemeClr>
+            </a:lnRef>
+            <a:fillRef idx="1">
+              <a:schemeClr val="accent1"/>
+            </a:fillRef>
+            <a:effectRef idx="0">
+              <a:schemeClr val="accent1"/>
+            </a:effectRef>
+            <a:fontRef idx="minor">
+              <a:schemeClr val="lt1"/>
+            </a:fontRef>
+          </p:style>
+          <p:txBody>
+            <a:bodyPr rtlCol="0" anchor="ctr"/>
+            <a:lstStyle/>
+            <a:p>
+              <a:pPr algn="ctr"/>
+              <a:r>
+                <a:rPr lang="en-US" dirty="0" smtClean="0"/>
+                <a:t>Workflow Optimizer</a:t>
+              </a:r>
+              <a:endParaRPr lang="en-US" dirty="0"/>
+            </a:p>
+          </p:txBody>
+        </p:sp>
+        <p:sp>
+          <p:nvSpPr>
+            <p:cNvPr id="49" name="Rounded Rectangle 48"/>
+            <p:cNvSpPr/>
+            <p:nvPr/>
+          </p:nvSpPr>
+          <p:spPr>
+            <a:xfrm>
+              <a:off x="3348707" y="1321867"/>
+              <a:ext cx="1754867" cy="603504"/>
+            </a:xfrm>
+            <a:prstGeom prst="roundRect">
+              <a:avLst/>
+            </a:prstGeom>
+            <a:ln>
+              <a:solidFill>
+                <a:schemeClr val="accent5"/>
+              </a:solidFill>
+            </a:ln>
+          </p:spPr>
+          <p:style>
+            <a:lnRef idx="2">
+              <a:schemeClr val="accent1">
+                <a:shade val="50000"/>
+              </a:schemeClr>
+            </a:lnRef>
+            <a:fillRef idx="1">
+              <a:schemeClr val="accent1"/>
+            </a:fillRef>
+            <a:effectRef idx="0">
+              <a:schemeClr val="accent1"/>
+            </a:effectRef>
+            <a:fontRef idx="minor">
+              <a:schemeClr val="lt1"/>
+            </a:fontRef>
+          </p:style>
+          <p:txBody>
+            <a:bodyPr rtlCol="0" anchor="ctr"/>
+            <a:lstStyle/>
+            <a:p>
+              <a:pPr algn="ctr"/>
+              <a:r>
+                <a:rPr lang="en-US" dirty="0" smtClean="0"/>
+                <a:t>Cleaning</a:t>
+              </a:r>
+            </a:p>
+            <a:p>
+              <a:pPr algn="ctr"/>
+              <a:r>
+                <a:rPr lang="en-US" dirty="0" smtClean="0"/>
+                <a:t>Modules</a:t>
+              </a:r>
+              <a:endParaRPr lang="en-US" dirty="0"/>
+            </a:p>
+          </p:txBody>
+        </p:sp>
+      </p:grpSp>
+    </p:spTree>
+    <p:extLst>
+      <p:ext uri="{BB962C8B-B14F-4D97-AF65-F5344CB8AC3E}">
+        <p14:creationId xmlns:p14="http://schemas.microsoft.com/office/powerpoint/2010/main" val="1913672693"/>
+      </p:ext>
+    </p:extLst>
+  </p:cSld>
+  <p:clrMapOvr>
+    <a:masterClrMapping/>
+  </p:clrMapOvr>
+</p:sld>
+</file>
+
 <file path=ppt/theme/theme1.xml><?xml version="1.0" encoding="utf-8"?>
 <a:theme xmlns:a="http://schemas.openxmlformats.org/drawingml/2006/main" name="Office Theme">
   <a:themeElements>

--- a/figs.pptx
+++ b/figs.pptx
@@ -7,6 +7,7 @@
   <p:sldIdLst>
     <p:sldId id="256" r:id="rId2"/>
     <p:sldId id="257" r:id="rId3"/>
+    <p:sldId id="258" r:id="rId4"/>
   </p:sldIdLst>
   <p:sldSz cx="12192000" cy="6858000"/>
   <p:notesSz cx="6858000" cy="9144000"/>
@@ -244,7 +245,7 @@
           <a:p>
             <a:fld id="{FEB9F3C6-7DE9-0845-9093-50B66B4BEBAB}" type="datetimeFigureOut">
               <a:rPr lang="en-US" smtClean="0"/>
-              <a:t>7/17/16</a:t>
+              <a:t>7/29/16</a:t>
             </a:fld>
             <a:endParaRPr lang="en-US"/>
           </a:p>
@@ -414,7 +415,7 @@
           <a:p>
             <a:fld id="{FEB9F3C6-7DE9-0845-9093-50B66B4BEBAB}" type="datetimeFigureOut">
               <a:rPr lang="en-US" smtClean="0"/>
-              <a:t>7/17/16</a:t>
+              <a:t>7/29/16</a:t>
             </a:fld>
             <a:endParaRPr lang="en-US"/>
           </a:p>
@@ -594,7 +595,7 @@
           <a:p>
             <a:fld id="{FEB9F3C6-7DE9-0845-9093-50B66B4BEBAB}" type="datetimeFigureOut">
               <a:rPr lang="en-US" smtClean="0"/>
-              <a:t>7/17/16</a:t>
+              <a:t>7/29/16</a:t>
             </a:fld>
             <a:endParaRPr lang="en-US"/>
           </a:p>
@@ -764,7 +765,7 @@
           <a:p>
             <a:fld id="{FEB9F3C6-7DE9-0845-9093-50B66B4BEBAB}" type="datetimeFigureOut">
               <a:rPr lang="en-US" smtClean="0"/>
-              <a:t>7/17/16</a:t>
+              <a:t>7/29/16</a:t>
             </a:fld>
             <a:endParaRPr lang="en-US"/>
           </a:p>
@@ -1010,7 +1011,7 @@
           <a:p>
             <a:fld id="{FEB9F3C6-7DE9-0845-9093-50B66B4BEBAB}" type="datetimeFigureOut">
               <a:rPr lang="en-US" smtClean="0"/>
-              <a:t>7/17/16</a:t>
+              <a:t>7/29/16</a:t>
             </a:fld>
             <a:endParaRPr lang="en-US"/>
           </a:p>
@@ -1242,7 +1243,7 @@
           <a:p>
             <a:fld id="{FEB9F3C6-7DE9-0845-9093-50B66B4BEBAB}" type="datetimeFigureOut">
               <a:rPr lang="en-US" smtClean="0"/>
-              <a:t>7/17/16</a:t>
+              <a:t>7/29/16</a:t>
             </a:fld>
             <a:endParaRPr lang="en-US"/>
           </a:p>
@@ -1609,7 +1610,7 @@
           <a:p>
             <a:fld id="{FEB9F3C6-7DE9-0845-9093-50B66B4BEBAB}" type="datetimeFigureOut">
               <a:rPr lang="en-US" smtClean="0"/>
-              <a:t>7/17/16</a:t>
+              <a:t>7/29/16</a:t>
             </a:fld>
             <a:endParaRPr lang="en-US"/>
           </a:p>
@@ -1727,7 +1728,7 @@
           <a:p>
             <a:fld id="{FEB9F3C6-7DE9-0845-9093-50B66B4BEBAB}" type="datetimeFigureOut">
               <a:rPr lang="en-US" smtClean="0"/>
-              <a:t>7/17/16</a:t>
+              <a:t>7/29/16</a:t>
             </a:fld>
             <a:endParaRPr lang="en-US"/>
           </a:p>
@@ -1822,7 +1823,7 @@
           <a:p>
             <a:fld id="{FEB9F3C6-7DE9-0845-9093-50B66B4BEBAB}" type="datetimeFigureOut">
               <a:rPr lang="en-US" smtClean="0"/>
-              <a:t>7/17/16</a:t>
+              <a:t>7/29/16</a:t>
             </a:fld>
             <a:endParaRPr lang="en-US"/>
           </a:p>
@@ -2099,7 +2100,7 @@
           <a:p>
             <a:fld id="{FEB9F3C6-7DE9-0845-9093-50B66B4BEBAB}" type="datetimeFigureOut">
               <a:rPr lang="en-US" smtClean="0"/>
-              <a:t>7/17/16</a:t>
+              <a:t>7/29/16</a:t>
             </a:fld>
             <a:endParaRPr lang="en-US"/>
           </a:p>
@@ -2352,7 +2353,7 @@
           <a:p>
             <a:fld id="{FEB9F3C6-7DE9-0845-9093-50B66B4BEBAB}" type="datetimeFigureOut">
               <a:rPr lang="en-US" smtClean="0"/>
-              <a:t>7/17/16</a:t>
+              <a:t>7/29/16</a:t>
             </a:fld>
             <a:endParaRPr lang="en-US"/>
           </a:p>
@@ -2565,7 +2566,7 @@
           <a:p>
             <a:fld id="{FEB9F3C6-7DE9-0845-9093-50B66B4BEBAB}" type="datetimeFigureOut">
               <a:rPr lang="en-US" smtClean="0"/>
-              <a:t>7/17/16</a:t>
+              <a:t>7/29/16</a:t>
             </a:fld>
             <a:endParaRPr lang="en-US"/>
           </a:p>
@@ -5701,6 +5702,1635 @@
 </p:sld>
 </file>
 
+<file path=ppt/slides/slide3.xml><?xml version="1.0" encoding="utf-8"?>
+<p:sld xmlns:a="http://schemas.openxmlformats.org/drawingml/2006/main" xmlns:r="http://schemas.openxmlformats.org/officeDocument/2006/relationships" xmlns:p="http://schemas.openxmlformats.org/presentationml/2006/main">
+  <p:cSld>
+    <p:spTree>
+      <p:nvGrpSpPr>
+        <p:cNvPr id="1" name=""/>
+        <p:cNvGrpSpPr/>
+        <p:nvPr/>
+      </p:nvGrpSpPr>
+      <p:grpSpPr>
+        <a:xfrm>
+          <a:off x="0" y="0"/>
+          <a:ext cx="0" cy="0"/>
+          <a:chOff x="0" y="0"/>
+          <a:chExt cx="0" cy="0"/>
+        </a:xfrm>
+      </p:grpSpPr>
+      <p:grpSp>
+        <p:nvGrpSpPr>
+          <p:cNvPr id="6" name="Group 5"/>
+          <p:cNvGrpSpPr/>
+          <p:nvPr/>
+        </p:nvGrpSpPr>
+        <p:grpSpPr>
+          <a:xfrm>
+            <a:off x="1077132" y="558596"/>
+            <a:ext cx="9520318" cy="6174571"/>
+            <a:chOff x="1077132" y="558596"/>
+            <a:chExt cx="9520318" cy="6174571"/>
+          </a:xfrm>
+        </p:grpSpPr>
+        <p:sp>
+          <p:nvSpPr>
+            <p:cNvPr id="4" name="Rectangle 3"/>
+            <p:cNvSpPr/>
+            <p:nvPr/>
+          </p:nvSpPr>
+          <p:spPr>
+            <a:xfrm>
+              <a:off x="2809288" y="3374805"/>
+              <a:ext cx="4588572" cy="1135201"/>
+            </a:xfrm>
+            <a:prstGeom prst="rect">
+              <a:avLst/>
+            </a:prstGeom>
+            <a:ln>
+              <a:noFill/>
+            </a:ln>
+          </p:spPr>
+          <p:style>
+            <a:lnRef idx="2">
+              <a:schemeClr val="accent1">
+                <a:shade val="50000"/>
+              </a:schemeClr>
+            </a:lnRef>
+            <a:fillRef idx="1">
+              <a:schemeClr val="accent1"/>
+            </a:fillRef>
+            <a:effectRef idx="0">
+              <a:schemeClr val="accent1"/>
+            </a:effectRef>
+            <a:fontRef idx="minor">
+              <a:schemeClr val="lt1"/>
+            </a:fontRef>
+          </p:style>
+          <p:txBody>
+            <a:bodyPr tIns="0" bIns="1005840" rtlCol="0" anchor="ctr"/>
+            <a:lstStyle/>
+            <a:p>
+              <a:pPr algn="ctr"/>
+              <a:endParaRPr lang="en-US" sz="2400" dirty="0" smtClean="0"/>
+            </a:p>
+            <a:p>
+              <a:pPr algn="ctr"/>
+              <a:r>
+                <a:rPr lang="en-US" sz="2400" dirty="0" smtClean="0"/>
+                <a:t>Discovery</a:t>
+              </a:r>
+              <a:endParaRPr lang="en-US" sz="2400" dirty="0"/>
+            </a:p>
+          </p:txBody>
+        </p:sp>
+        <p:sp>
+          <p:nvSpPr>
+            <p:cNvPr id="7" name="Cloud 6"/>
+            <p:cNvSpPr/>
+            <p:nvPr/>
+          </p:nvSpPr>
+          <p:spPr>
+            <a:xfrm>
+              <a:off x="1316751" y="5260828"/>
+              <a:ext cx="2448732" cy="1472339"/>
+            </a:xfrm>
+            <a:prstGeom prst="cloud">
+              <a:avLst/>
+            </a:prstGeom>
+          </p:spPr>
+          <p:style>
+            <a:lnRef idx="2">
+              <a:schemeClr val="accent1">
+                <a:shade val="50000"/>
+              </a:schemeClr>
+            </a:lnRef>
+            <a:fillRef idx="1">
+              <a:schemeClr val="accent1"/>
+            </a:fillRef>
+            <a:effectRef idx="0">
+              <a:schemeClr val="accent1"/>
+            </a:effectRef>
+            <a:fontRef idx="minor">
+              <a:schemeClr val="lt1"/>
+            </a:fontRef>
+          </p:style>
+          <p:txBody>
+            <a:bodyPr rtlCol="0" anchor="ctr"/>
+            <a:lstStyle/>
+            <a:p>
+              <a:pPr algn="ctr"/>
+              <a:endParaRPr lang="en-US" dirty="0" smtClean="0"/>
+            </a:p>
+            <a:p>
+              <a:pPr algn="ctr"/>
+              <a:endParaRPr lang="en-US" dirty="0"/>
+            </a:p>
+            <a:p>
+              <a:pPr algn="ctr"/>
+              <a:endParaRPr lang="en-US" dirty="0" smtClean="0"/>
+            </a:p>
+            <a:p>
+              <a:pPr algn="ctr"/>
+              <a:r>
+                <a:rPr lang="en-US" dirty="0" smtClean="0"/>
+                <a:t>Silo 1</a:t>
+              </a:r>
+            </a:p>
+          </p:txBody>
+        </p:sp>
+        <p:sp>
+          <p:nvSpPr>
+            <p:cNvPr id="8" name="Cloud 7"/>
+            <p:cNvSpPr/>
+            <p:nvPr/>
+          </p:nvSpPr>
+          <p:spPr>
+            <a:xfrm>
+              <a:off x="4521849" y="5260828"/>
+              <a:ext cx="2586873" cy="1472339"/>
+            </a:xfrm>
+            <a:prstGeom prst="cloud">
+              <a:avLst/>
+            </a:prstGeom>
+          </p:spPr>
+          <p:style>
+            <a:lnRef idx="2">
+              <a:schemeClr val="accent1">
+                <a:shade val="50000"/>
+              </a:schemeClr>
+            </a:lnRef>
+            <a:fillRef idx="1">
+              <a:schemeClr val="accent1"/>
+            </a:fillRef>
+            <a:effectRef idx="0">
+              <a:schemeClr val="accent1"/>
+            </a:effectRef>
+            <a:fontRef idx="minor">
+              <a:schemeClr val="lt1"/>
+            </a:fontRef>
+          </p:style>
+          <p:txBody>
+            <a:bodyPr rtlCol="0" anchor="ctr"/>
+            <a:lstStyle/>
+            <a:p>
+              <a:pPr algn="ctr"/>
+              <a:endParaRPr lang="en-US" dirty="0"/>
+            </a:p>
+            <a:p>
+              <a:pPr algn="ctr"/>
+              <a:endParaRPr lang="en-US" dirty="0" smtClean="0"/>
+            </a:p>
+            <a:p>
+              <a:pPr algn="ctr"/>
+              <a:endParaRPr lang="en-US" dirty="0"/>
+            </a:p>
+            <a:p>
+              <a:pPr algn="ctr"/>
+              <a:r>
+                <a:rPr lang="en-US" dirty="0" smtClean="0"/>
+                <a:t>Silo 2</a:t>
+              </a:r>
+              <a:endParaRPr lang="en-US" dirty="0"/>
+            </a:p>
+          </p:txBody>
+        </p:sp>
+        <p:sp>
+          <p:nvSpPr>
+            <p:cNvPr id="10" name="Can 9"/>
+            <p:cNvSpPr/>
+            <p:nvPr/>
+          </p:nvSpPr>
+          <p:spPr>
+            <a:xfrm>
+              <a:off x="1943967" y="5591457"/>
+              <a:ext cx="387458" cy="542441"/>
+            </a:xfrm>
+            <a:prstGeom prst="can">
+              <a:avLst/>
+            </a:prstGeom>
+            <a:solidFill>
+              <a:schemeClr val="accent2"/>
+            </a:solidFill>
+          </p:spPr>
+          <p:style>
+            <a:lnRef idx="2">
+              <a:schemeClr val="accent1">
+                <a:shade val="50000"/>
+              </a:schemeClr>
+            </a:lnRef>
+            <a:fillRef idx="1">
+              <a:schemeClr val="accent1"/>
+            </a:fillRef>
+            <a:effectRef idx="0">
+              <a:schemeClr val="accent1"/>
+            </a:effectRef>
+            <a:fontRef idx="minor">
+              <a:schemeClr val="lt1"/>
+            </a:fontRef>
+          </p:style>
+          <p:txBody>
+            <a:bodyPr rtlCol="0" anchor="ctr"/>
+            <a:lstStyle/>
+            <a:p>
+              <a:pPr algn="ctr"/>
+              <a:endParaRPr lang="en-US"/>
+            </a:p>
+          </p:txBody>
+        </p:sp>
+        <p:sp>
+          <p:nvSpPr>
+            <p:cNvPr id="11" name="Can 10"/>
+            <p:cNvSpPr/>
+            <p:nvPr/>
+          </p:nvSpPr>
+          <p:spPr>
+            <a:xfrm>
+              <a:off x="2421830" y="5619872"/>
+              <a:ext cx="387458" cy="542441"/>
+            </a:xfrm>
+            <a:prstGeom prst="can">
+              <a:avLst/>
+            </a:prstGeom>
+            <a:solidFill>
+              <a:schemeClr val="accent2"/>
+            </a:solidFill>
+          </p:spPr>
+          <p:style>
+            <a:lnRef idx="2">
+              <a:schemeClr val="accent1">
+                <a:shade val="50000"/>
+              </a:schemeClr>
+            </a:lnRef>
+            <a:fillRef idx="1">
+              <a:schemeClr val="accent1"/>
+            </a:fillRef>
+            <a:effectRef idx="0">
+              <a:schemeClr val="accent1"/>
+            </a:effectRef>
+            <a:fontRef idx="minor">
+              <a:schemeClr val="lt1"/>
+            </a:fontRef>
+          </p:style>
+          <p:txBody>
+            <a:bodyPr rtlCol="0" anchor="ctr"/>
+            <a:lstStyle/>
+            <a:p>
+              <a:pPr algn="ctr"/>
+              <a:endParaRPr lang="en-US"/>
+            </a:p>
+          </p:txBody>
+        </p:sp>
+        <p:sp>
+          <p:nvSpPr>
+            <p:cNvPr id="12" name="Can 11"/>
+            <p:cNvSpPr/>
+            <p:nvPr/>
+          </p:nvSpPr>
+          <p:spPr>
+            <a:xfrm>
+              <a:off x="2979774" y="5666365"/>
+              <a:ext cx="387458" cy="542441"/>
+            </a:xfrm>
+            <a:prstGeom prst="can">
+              <a:avLst/>
+            </a:prstGeom>
+            <a:solidFill>
+              <a:schemeClr val="accent2"/>
+            </a:solidFill>
+          </p:spPr>
+          <p:style>
+            <a:lnRef idx="2">
+              <a:schemeClr val="accent1">
+                <a:shade val="50000"/>
+              </a:schemeClr>
+            </a:lnRef>
+            <a:fillRef idx="1">
+              <a:schemeClr val="accent1"/>
+            </a:fillRef>
+            <a:effectRef idx="0">
+              <a:schemeClr val="accent1"/>
+            </a:effectRef>
+            <a:fontRef idx="minor">
+              <a:schemeClr val="lt1"/>
+            </a:fontRef>
+          </p:style>
+          <p:txBody>
+            <a:bodyPr rtlCol="0" anchor="ctr"/>
+            <a:lstStyle/>
+            <a:p>
+              <a:pPr algn="ctr"/>
+              <a:endParaRPr lang="en-US"/>
+            </a:p>
+          </p:txBody>
+        </p:sp>
+        <p:sp>
+          <p:nvSpPr>
+            <p:cNvPr id="13" name="Can 12"/>
+            <p:cNvSpPr/>
+            <p:nvPr/>
+          </p:nvSpPr>
+          <p:spPr>
+            <a:xfrm>
+              <a:off x="4976476" y="5622703"/>
+              <a:ext cx="387458" cy="542441"/>
+            </a:xfrm>
+            <a:prstGeom prst="can">
+              <a:avLst/>
+            </a:prstGeom>
+            <a:solidFill>
+              <a:schemeClr val="accent2"/>
+            </a:solidFill>
+          </p:spPr>
+          <p:style>
+            <a:lnRef idx="2">
+              <a:schemeClr val="accent1">
+                <a:shade val="50000"/>
+              </a:schemeClr>
+            </a:lnRef>
+            <a:fillRef idx="1">
+              <a:schemeClr val="accent1"/>
+            </a:fillRef>
+            <a:effectRef idx="0">
+              <a:schemeClr val="accent1"/>
+            </a:effectRef>
+            <a:fontRef idx="minor">
+              <a:schemeClr val="lt1"/>
+            </a:fontRef>
+          </p:style>
+          <p:txBody>
+            <a:bodyPr rtlCol="0" anchor="ctr"/>
+            <a:lstStyle/>
+            <a:p>
+              <a:pPr algn="ctr"/>
+              <a:endParaRPr lang="en-US"/>
+            </a:p>
+          </p:txBody>
+        </p:sp>
+        <p:sp>
+          <p:nvSpPr>
+            <p:cNvPr id="14" name="Can 13"/>
+            <p:cNvSpPr/>
+            <p:nvPr/>
+          </p:nvSpPr>
+          <p:spPr>
+            <a:xfrm>
+              <a:off x="5454339" y="5651118"/>
+              <a:ext cx="387458" cy="542441"/>
+            </a:xfrm>
+            <a:prstGeom prst="can">
+              <a:avLst/>
+            </a:prstGeom>
+            <a:solidFill>
+              <a:schemeClr val="accent2"/>
+            </a:solidFill>
+          </p:spPr>
+          <p:style>
+            <a:lnRef idx="2">
+              <a:schemeClr val="accent1">
+                <a:shade val="50000"/>
+              </a:schemeClr>
+            </a:lnRef>
+            <a:fillRef idx="1">
+              <a:schemeClr val="accent1"/>
+            </a:fillRef>
+            <a:effectRef idx="0">
+              <a:schemeClr val="accent1"/>
+            </a:effectRef>
+            <a:fontRef idx="minor">
+              <a:schemeClr val="lt1"/>
+            </a:fontRef>
+          </p:style>
+          <p:txBody>
+            <a:bodyPr rtlCol="0" anchor="ctr"/>
+            <a:lstStyle/>
+            <a:p>
+              <a:pPr algn="ctr"/>
+              <a:endParaRPr lang="en-US"/>
+            </a:p>
+          </p:txBody>
+        </p:sp>
+        <p:sp>
+          <p:nvSpPr>
+            <p:cNvPr id="15" name="Can 14"/>
+            <p:cNvSpPr/>
+            <p:nvPr/>
+          </p:nvSpPr>
+          <p:spPr>
+            <a:xfrm>
+              <a:off x="6012283" y="5697611"/>
+              <a:ext cx="387458" cy="542441"/>
+            </a:xfrm>
+            <a:prstGeom prst="can">
+              <a:avLst/>
+            </a:prstGeom>
+            <a:solidFill>
+              <a:schemeClr val="accent2"/>
+            </a:solidFill>
+          </p:spPr>
+          <p:style>
+            <a:lnRef idx="2">
+              <a:schemeClr val="accent1">
+                <a:shade val="50000"/>
+              </a:schemeClr>
+            </a:lnRef>
+            <a:fillRef idx="1">
+              <a:schemeClr val="accent1"/>
+            </a:fillRef>
+            <a:effectRef idx="0">
+              <a:schemeClr val="accent1"/>
+            </a:effectRef>
+            <a:fontRef idx="minor">
+              <a:schemeClr val="lt1"/>
+            </a:fontRef>
+          </p:style>
+          <p:txBody>
+            <a:bodyPr rtlCol="0" anchor="ctr"/>
+            <a:lstStyle/>
+            <a:p>
+              <a:pPr algn="ctr"/>
+              <a:endParaRPr lang="en-US"/>
+            </a:p>
+          </p:txBody>
+        </p:sp>
+        <p:sp>
+          <p:nvSpPr>
+            <p:cNvPr id="24" name="Can 23"/>
+            <p:cNvSpPr/>
+            <p:nvPr/>
+          </p:nvSpPr>
+          <p:spPr>
+            <a:xfrm>
+              <a:off x="8071226" y="2019706"/>
+              <a:ext cx="2526224" cy="2810938"/>
+            </a:xfrm>
+            <a:prstGeom prst="can">
+              <a:avLst/>
+            </a:prstGeom>
+          </p:spPr>
+          <p:style>
+            <a:lnRef idx="2">
+              <a:schemeClr val="accent1">
+                <a:shade val="50000"/>
+              </a:schemeClr>
+            </a:lnRef>
+            <a:fillRef idx="1">
+              <a:schemeClr val="accent1"/>
+            </a:fillRef>
+            <a:effectRef idx="0">
+              <a:schemeClr val="accent1"/>
+            </a:effectRef>
+            <a:fontRef idx="minor">
+              <a:schemeClr val="lt1"/>
+            </a:fontRef>
+          </p:style>
+          <p:txBody>
+            <a:bodyPr rtlCol="0" anchor="ctr"/>
+            <a:lstStyle/>
+            <a:p>
+              <a:pPr algn="ctr"/>
+              <a:r>
+                <a:rPr lang="en-US" sz="2400" dirty="0" smtClean="0"/>
+                <a:t>Linkage Graph</a:t>
+              </a:r>
+            </a:p>
+            <a:p>
+              <a:pPr algn="ctr"/>
+              <a:endParaRPr lang="en-US" sz="2400" dirty="0"/>
+            </a:p>
+            <a:p>
+              <a:pPr algn="ctr"/>
+              <a:endParaRPr lang="en-US" sz="2400" dirty="0" smtClean="0"/>
+            </a:p>
+            <a:p>
+              <a:pPr algn="ctr"/>
+              <a:endParaRPr lang="en-US" sz="2400" dirty="0"/>
+            </a:p>
+            <a:p>
+              <a:pPr algn="ctr"/>
+              <a:endParaRPr lang="en-US" sz="2400" dirty="0"/>
+            </a:p>
+          </p:txBody>
+        </p:sp>
+        <p:grpSp>
+          <p:nvGrpSpPr>
+            <p:cNvPr id="48" name="Group 47"/>
+            <p:cNvGrpSpPr/>
+            <p:nvPr/>
+          </p:nvGrpSpPr>
+          <p:grpSpPr>
+            <a:xfrm>
+              <a:off x="8501134" y="3262443"/>
+              <a:ext cx="1595787" cy="865322"/>
+              <a:chOff x="8384583" y="604434"/>
+              <a:chExt cx="1595787" cy="865322"/>
+            </a:xfrm>
+          </p:grpSpPr>
+          <p:sp>
+            <p:nvSpPr>
+              <p:cNvPr id="25" name="Oval 24"/>
+              <p:cNvSpPr/>
+              <p:nvPr/>
+            </p:nvSpPr>
+            <p:spPr>
+              <a:xfrm>
+                <a:off x="8384583" y="604434"/>
+                <a:ext cx="237644" cy="232474"/>
+              </a:xfrm>
+              <a:prstGeom prst="ellipse">
+                <a:avLst/>
+              </a:prstGeom>
+              <a:solidFill>
+                <a:schemeClr val="accent2"/>
+              </a:solidFill>
+              <a:ln>
+                <a:solidFill>
+                  <a:schemeClr val="accent2"/>
+                </a:solidFill>
+              </a:ln>
+            </p:spPr>
+            <p:style>
+              <a:lnRef idx="2">
+                <a:schemeClr val="accent1">
+                  <a:shade val="50000"/>
+                </a:schemeClr>
+              </a:lnRef>
+              <a:fillRef idx="1">
+                <a:schemeClr val="accent1"/>
+              </a:fillRef>
+              <a:effectRef idx="0">
+                <a:schemeClr val="accent1"/>
+              </a:effectRef>
+              <a:fontRef idx="minor">
+                <a:schemeClr val="lt1"/>
+              </a:fontRef>
+            </p:style>
+            <p:txBody>
+              <a:bodyPr rtlCol="0" anchor="ctr"/>
+              <a:lstStyle/>
+              <a:p>
+                <a:pPr algn="ctr"/>
+                <a:endParaRPr lang="en-US" dirty="0">
+                  <a:solidFill>
+                    <a:schemeClr val="accent2"/>
+                  </a:solidFill>
+                </a:endParaRPr>
+              </a:p>
+            </p:txBody>
+          </p:sp>
+          <p:cxnSp>
+            <p:nvCxnSpPr>
+              <p:cNvPr id="27" name="Straight Connector 26"/>
+              <p:cNvCxnSpPr>
+                <a:stCxn id="25" idx="4"/>
+                <a:endCxn id="34" idx="2"/>
+              </p:cNvCxnSpPr>
+              <p:nvPr/>
+            </p:nvCxnSpPr>
+            <p:spPr>
+              <a:xfrm>
+                <a:off x="8503405" y="836908"/>
+                <a:ext cx="508858" cy="516611"/>
+              </a:xfrm>
+              <a:prstGeom prst="line">
+                <a:avLst/>
+              </a:prstGeom>
+              <a:ln>
+                <a:solidFill>
+                  <a:schemeClr val="accent2"/>
+                </a:solidFill>
+              </a:ln>
+            </p:spPr>
+            <p:style>
+              <a:lnRef idx="1">
+                <a:schemeClr val="accent1"/>
+              </a:lnRef>
+              <a:fillRef idx="0">
+                <a:schemeClr val="accent1"/>
+              </a:fillRef>
+              <a:effectRef idx="0">
+                <a:schemeClr val="accent1"/>
+              </a:effectRef>
+              <a:fontRef idx="minor">
+                <a:schemeClr val="tx1"/>
+              </a:fontRef>
+            </p:style>
+          </p:cxnSp>
+          <p:sp>
+            <p:nvSpPr>
+              <p:cNvPr id="29" name="Oval 28"/>
+              <p:cNvSpPr/>
+              <p:nvPr/>
+            </p:nvSpPr>
+            <p:spPr>
+              <a:xfrm>
+                <a:off x="9450835" y="870726"/>
+                <a:ext cx="237644" cy="232474"/>
+              </a:xfrm>
+              <a:prstGeom prst="ellipse">
+                <a:avLst/>
+              </a:prstGeom>
+              <a:solidFill>
+                <a:schemeClr val="accent2"/>
+              </a:solidFill>
+              <a:ln>
+                <a:solidFill>
+                  <a:schemeClr val="accent2"/>
+                </a:solidFill>
+              </a:ln>
+            </p:spPr>
+            <p:style>
+              <a:lnRef idx="2">
+                <a:schemeClr val="accent1">
+                  <a:shade val="50000"/>
+                </a:schemeClr>
+              </a:lnRef>
+              <a:fillRef idx="1">
+                <a:schemeClr val="accent1"/>
+              </a:fillRef>
+              <a:effectRef idx="0">
+                <a:schemeClr val="accent1"/>
+              </a:effectRef>
+              <a:fontRef idx="minor">
+                <a:schemeClr val="lt1"/>
+              </a:fontRef>
+            </p:style>
+            <p:txBody>
+              <a:bodyPr rtlCol="0" anchor="ctr"/>
+              <a:lstStyle/>
+              <a:p>
+                <a:pPr algn="ctr"/>
+                <a:endParaRPr lang="en-US">
+                  <a:solidFill>
+                    <a:schemeClr val="accent2"/>
+                  </a:solidFill>
+                </a:endParaRPr>
+              </a:p>
+            </p:txBody>
+          </p:sp>
+          <p:sp>
+            <p:nvSpPr>
+              <p:cNvPr id="30" name="Oval 29"/>
+              <p:cNvSpPr/>
+              <p:nvPr/>
+            </p:nvSpPr>
+            <p:spPr>
+              <a:xfrm>
+                <a:off x="9742726" y="1125803"/>
+                <a:ext cx="237644" cy="232474"/>
+              </a:xfrm>
+              <a:prstGeom prst="ellipse">
+                <a:avLst/>
+              </a:prstGeom>
+              <a:solidFill>
+                <a:schemeClr val="accent2"/>
+              </a:solidFill>
+              <a:ln>
+                <a:solidFill>
+                  <a:schemeClr val="accent2"/>
+                </a:solidFill>
+              </a:ln>
+            </p:spPr>
+            <p:style>
+              <a:lnRef idx="2">
+                <a:schemeClr val="accent1">
+                  <a:shade val="50000"/>
+                </a:schemeClr>
+              </a:lnRef>
+              <a:fillRef idx="1">
+                <a:schemeClr val="accent1"/>
+              </a:fillRef>
+              <a:effectRef idx="0">
+                <a:schemeClr val="accent1"/>
+              </a:effectRef>
+              <a:fontRef idx="minor">
+                <a:schemeClr val="lt1"/>
+              </a:fontRef>
+            </p:style>
+            <p:txBody>
+              <a:bodyPr rtlCol="0" anchor="ctr"/>
+              <a:lstStyle/>
+              <a:p>
+                <a:pPr algn="ctr"/>
+                <a:endParaRPr lang="en-US">
+                  <a:solidFill>
+                    <a:schemeClr val="accent2"/>
+                  </a:solidFill>
+                </a:endParaRPr>
+              </a:p>
+            </p:txBody>
+          </p:sp>
+          <p:sp>
+            <p:nvSpPr>
+              <p:cNvPr id="31" name="Oval 30"/>
+              <p:cNvSpPr/>
+              <p:nvPr/>
+            </p:nvSpPr>
+            <p:spPr>
+              <a:xfrm>
+                <a:off x="8937353" y="697425"/>
+                <a:ext cx="237644" cy="232474"/>
+              </a:xfrm>
+              <a:prstGeom prst="ellipse">
+                <a:avLst/>
+              </a:prstGeom>
+              <a:solidFill>
+                <a:schemeClr val="accent2"/>
+              </a:solidFill>
+              <a:ln>
+                <a:solidFill>
+                  <a:schemeClr val="accent2"/>
+                </a:solidFill>
+              </a:ln>
+            </p:spPr>
+            <p:style>
+              <a:lnRef idx="2">
+                <a:schemeClr val="accent1">
+                  <a:shade val="50000"/>
+                </a:schemeClr>
+              </a:lnRef>
+              <a:fillRef idx="1">
+                <a:schemeClr val="accent1"/>
+              </a:fillRef>
+              <a:effectRef idx="0">
+                <a:schemeClr val="accent1"/>
+              </a:effectRef>
+              <a:fontRef idx="minor">
+                <a:schemeClr val="lt1"/>
+              </a:fontRef>
+            </p:style>
+            <p:txBody>
+              <a:bodyPr rtlCol="0" anchor="ctr"/>
+              <a:lstStyle/>
+              <a:p>
+                <a:pPr algn="ctr"/>
+                <a:endParaRPr lang="en-US">
+                  <a:solidFill>
+                    <a:schemeClr val="accent2"/>
+                  </a:solidFill>
+                </a:endParaRPr>
+              </a:p>
+            </p:txBody>
+          </p:sp>
+          <p:sp>
+            <p:nvSpPr>
+              <p:cNvPr id="34" name="Oval 33"/>
+              <p:cNvSpPr/>
+              <p:nvPr/>
+            </p:nvSpPr>
+            <p:spPr>
+              <a:xfrm>
+                <a:off x="9012263" y="1237282"/>
+                <a:ext cx="237644" cy="232474"/>
+              </a:xfrm>
+              <a:prstGeom prst="ellipse">
+                <a:avLst/>
+              </a:prstGeom>
+              <a:solidFill>
+                <a:schemeClr val="accent2"/>
+              </a:solidFill>
+              <a:ln>
+                <a:solidFill>
+                  <a:schemeClr val="accent2"/>
+                </a:solidFill>
+              </a:ln>
+            </p:spPr>
+            <p:style>
+              <a:lnRef idx="2">
+                <a:schemeClr val="accent1">
+                  <a:shade val="50000"/>
+                </a:schemeClr>
+              </a:lnRef>
+              <a:fillRef idx="1">
+                <a:schemeClr val="accent1"/>
+              </a:fillRef>
+              <a:effectRef idx="0">
+                <a:schemeClr val="accent1"/>
+              </a:effectRef>
+              <a:fontRef idx="minor">
+                <a:schemeClr val="lt1"/>
+              </a:fontRef>
+            </p:style>
+            <p:txBody>
+              <a:bodyPr rtlCol="0" anchor="ctr"/>
+              <a:lstStyle/>
+              <a:p>
+                <a:pPr algn="ctr"/>
+                <a:endParaRPr lang="en-US">
+                  <a:solidFill>
+                    <a:schemeClr val="accent2"/>
+                  </a:solidFill>
+                </a:endParaRPr>
+              </a:p>
+            </p:txBody>
+          </p:sp>
+          <p:cxnSp>
+            <p:nvCxnSpPr>
+              <p:cNvPr id="38" name="Straight Connector 37"/>
+              <p:cNvCxnSpPr>
+                <a:stCxn id="25" idx="6"/>
+                <a:endCxn id="31" idx="2"/>
+              </p:cNvCxnSpPr>
+              <p:nvPr/>
+            </p:nvCxnSpPr>
+            <p:spPr>
+              <a:xfrm>
+                <a:off x="8622227" y="720671"/>
+                <a:ext cx="315126" cy="92991"/>
+              </a:xfrm>
+              <a:prstGeom prst="line">
+                <a:avLst/>
+              </a:prstGeom>
+              <a:ln>
+                <a:solidFill>
+                  <a:schemeClr val="accent2"/>
+                </a:solidFill>
+              </a:ln>
+            </p:spPr>
+            <p:style>
+              <a:lnRef idx="1">
+                <a:schemeClr val="accent1"/>
+              </a:lnRef>
+              <a:fillRef idx="0">
+                <a:schemeClr val="accent1"/>
+              </a:fillRef>
+              <a:effectRef idx="0">
+                <a:schemeClr val="accent1"/>
+              </a:effectRef>
+              <a:fontRef idx="minor">
+                <a:schemeClr val="tx1"/>
+              </a:fontRef>
+            </p:style>
+          </p:cxnSp>
+          <p:cxnSp>
+            <p:nvCxnSpPr>
+              <p:cNvPr id="40" name="Straight Connector 39"/>
+              <p:cNvCxnSpPr>
+                <a:stCxn id="31" idx="5"/>
+                <a:endCxn id="34" idx="0"/>
+              </p:cNvCxnSpPr>
+              <p:nvPr/>
+            </p:nvCxnSpPr>
+            <p:spPr>
+              <a:xfrm flipH="1">
+                <a:off x="9131085" y="895854"/>
+                <a:ext cx="9110" cy="341428"/>
+              </a:xfrm>
+              <a:prstGeom prst="line">
+                <a:avLst/>
+              </a:prstGeom>
+              <a:ln>
+                <a:solidFill>
+                  <a:schemeClr val="accent2"/>
+                </a:solidFill>
+              </a:ln>
+            </p:spPr>
+            <p:style>
+              <a:lnRef idx="1">
+                <a:schemeClr val="accent1"/>
+              </a:lnRef>
+              <a:fillRef idx="0">
+                <a:schemeClr val="accent1"/>
+              </a:fillRef>
+              <a:effectRef idx="0">
+                <a:schemeClr val="accent1"/>
+              </a:effectRef>
+              <a:fontRef idx="minor">
+                <a:schemeClr val="tx1"/>
+              </a:fontRef>
+            </p:style>
+          </p:cxnSp>
+          <p:cxnSp>
+            <p:nvCxnSpPr>
+              <p:cNvPr id="46" name="Straight Connector 45"/>
+              <p:cNvCxnSpPr>
+                <a:stCxn id="29" idx="4"/>
+                <a:endCxn id="30" idx="5"/>
+              </p:cNvCxnSpPr>
+              <p:nvPr/>
+            </p:nvCxnSpPr>
+            <p:spPr>
+              <a:xfrm>
+                <a:off x="9569657" y="1103200"/>
+                <a:ext cx="375911" cy="221032"/>
+              </a:xfrm>
+              <a:prstGeom prst="line">
+                <a:avLst/>
+              </a:prstGeom>
+              <a:ln>
+                <a:solidFill>
+                  <a:schemeClr val="accent2"/>
+                </a:solidFill>
+              </a:ln>
+            </p:spPr>
+            <p:style>
+              <a:lnRef idx="1">
+                <a:schemeClr val="accent1"/>
+              </a:lnRef>
+              <a:fillRef idx="0">
+                <a:schemeClr val="accent1"/>
+              </a:fillRef>
+              <a:effectRef idx="0">
+                <a:schemeClr val="accent1"/>
+              </a:effectRef>
+              <a:fontRef idx="minor">
+                <a:schemeClr val="tx1"/>
+              </a:fontRef>
+            </p:style>
+          </p:cxnSp>
+        </p:grpSp>
+        <p:sp>
+          <p:nvSpPr>
+            <p:cNvPr id="56" name="Rectangle 55"/>
+            <p:cNvSpPr/>
+            <p:nvPr/>
+          </p:nvSpPr>
+          <p:spPr>
+            <a:xfrm>
+              <a:off x="1079714" y="2125847"/>
+              <a:ext cx="1650727" cy="2562642"/>
+            </a:xfrm>
+            <a:prstGeom prst="rect">
+              <a:avLst/>
+            </a:prstGeom>
+            <a:ln>
+              <a:noFill/>
+            </a:ln>
+          </p:spPr>
+          <p:style>
+            <a:lnRef idx="2">
+              <a:schemeClr val="accent1">
+                <a:shade val="50000"/>
+              </a:schemeClr>
+            </a:lnRef>
+            <a:fillRef idx="1">
+              <a:schemeClr val="accent1"/>
+            </a:fillRef>
+            <a:effectRef idx="0">
+              <a:schemeClr val="accent1"/>
+            </a:effectRef>
+            <a:fontRef idx="minor">
+              <a:schemeClr val="lt1"/>
+            </a:fontRef>
+          </p:style>
+          <p:txBody>
+            <a:bodyPr rtlCol="0" anchor="ctr"/>
+            <a:lstStyle/>
+            <a:p>
+              <a:pPr algn="ctr"/>
+              <a:r>
+                <a:rPr lang="en-US" sz="2400" dirty="0" err="1" smtClean="0"/>
+                <a:t>Polystore</a:t>
+              </a:r>
+              <a:endParaRPr lang="en-US" sz="2400" dirty="0" smtClean="0"/>
+            </a:p>
+            <a:p>
+              <a:pPr algn="ctr"/>
+              <a:r>
+                <a:rPr lang="en-US" sz="2400" dirty="0" smtClean="0"/>
+                <a:t>(</a:t>
+              </a:r>
+              <a:r>
+                <a:rPr lang="en-US" sz="2400" dirty="0" err="1" smtClean="0"/>
+                <a:t>BigDawg</a:t>
+              </a:r>
+              <a:r>
+                <a:rPr lang="en-US" sz="2400" dirty="0" smtClean="0"/>
+                <a:t>)</a:t>
+              </a:r>
+              <a:endParaRPr lang="en-US" sz="2400" dirty="0"/>
+            </a:p>
+          </p:txBody>
+        </p:sp>
+        <p:sp>
+          <p:nvSpPr>
+            <p:cNvPr id="57" name="Rectangle 56"/>
+            <p:cNvSpPr/>
+            <p:nvPr/>
+          </p:nvSpPr>
+          <p:spPr>
+            <a:xfrm>
+              <a:off x="1077132" y="558596"/>
+              <a:ext cx="6307810" cy="1446561"/>
+            </a:xfrm>
+            <a:prstGeom prst="rect">
+              <a:avLst/>
+            </a:prstGeom>
+            <a:ln>
+              <a:noFill/>
+            </a:ln>
+          </p:spPr>
+          <p:style>
+            <a:lnRef idx="2">
+              <a:schemeClr val="accent1">
+                <a:shade val="50000"/>
+              </a:schemeClr>
+            </a:lnRef>
+            <a:fillRef idx="1">
+              <a:schemeClr val="accent1"/>
+            </a:fillRef>
+            <a:effectRef idx="0">
+              <a:schemeClr val="accent1"/>
+            </a:effectRef>
+            <a:fontRef idx="minor">
+              <a:schemeClr val="lt1"/>
+            </a:fontRef>
+          </p:style>
+          <p:txBody>
+            <a:bodyPr tIns="0" bIns="457200" rtlCol="0" anchor="ctr"/>
+            <a:lstStyle/>
+            <a:p>
+              <a:pPr algn="ctr"/>
+              <a:r>
+                <a:rPr lang="en-US" sz="2400" dirty="0" smtClean="0"/>
+                <a:t>Query Processing</a:t>
+              </a:r>
+              <a:endParaRPr lang="en-US" sz="2400" dirty="0"/>
+            </a:p>
+          </p:txBody>
+        </p:sp>
+        <p:sp>
+          <p:nvSpPr>
+            <p:cNvPr id="58" name="Left-Up Arrow 57"/>
+            <p:cNvSpPr/>
+            <p:nvPr/>
+          </p:nvSpPr>
+          <p:spPr>
+            <a:xfrm rot="16200000">
+              <a:off x="7970109" y="575945"/>
+              <a:ext cx="903745" cy="1991083"/>
+            </a:xfrm>
+            <a:prstGeom prst="leftUpArrow">
+              <a:avLst>
+                <a:gd name="adj1" fmla="val 17633"/>
+                <a:gd name="adj2" fmla="val 25000"/>
+                <a:gd name="adj3" fmla="val 25000"/>
+              </a:avLst>
+            </a:prstGeom>
+          </p:spPr>
+          <p:style>
+            <a:lnRef idx="2">
+              <a:schemeClr val="accent1">
+                <a:shade val="50000"/>
+              </a:schemeClr>
+            </a:lnRef>
+            <a:fillRef idx="1">
+              <a:schemeClr val="accent1"/>
+            </a:fillRef>
+            <a:effectRef idx="0">
+              <a:schemeClr val="accent1"/>
+            </a:effectRef>
+            <a:fontRef idx="minor">
+              <a:schemeClr val="lt1"/>
+            </a:fontRef>
+          </p:style>
+          <p:txBody>
+            <a:bodyPr rtlCol="0" anchor="ctr"/>
+            <a:lstStyle/>
+            <a:p>
+              <a:pPr algn="ctr"/>
+              <a:endParaRPr lang="en-US"/>
+            </a:p>
+          </p:txBody>
+        </p:sp>
+        <p:sp>
+          <p:nvSpPr>
+            <p:cNvPr id="28" name="Left-Right Arrow 27"/>
+            <p:cNvSpPr/>
+            <p:nvPr/>
+          </p:nvSpPr>
+          <p:spPr>
+            <a:xfrm>
+              <a:off x="7397322" y="3751065"/>
+              <a:ext cx="673904" cy="371959"/>
+            </a:xfrm>
+            <a:prstGeom prst="leftRightArrow">
+              <a:avLst/>
+            </a:prstGeom>
+          </p:spPr>
+          <p:style>
+            <a:lnRef idx="2">
+              <a:schemeClr val="accent1">
+                <a:shade val="50000"/>
+              </a:schemeClr>
+            </a:lnRef>
+            <a:fillRef idx="1">
+              <a:schemeClr val="accent1"/>
+            </a:fillRef>
+            <a:effectRef idx="0">
+              <a:schemeClr val="accent1"/>
+            </a:effectRef>
+            <a:fontRef idx="minor">
+              <a:schemeClr val="lt1"/>
+            </a:fontRef>
+          </p:style>
+          <p:txBody>
+            <a:bodyPr rtlCol="0" anchor="ctr"/>
+            <a:lstStyle/>
+            <a:p>
+              <a:pPr algn="ctr"/>
+              <a:endParaRPr lang="en-US"/>
+            </a:p>
+          </p:txBody>
+        </p:sp>
+        <p:sp>
+          <p:nvSpPr>
+            <p:cNvPr id="32" name="Rectangle 31"/>
+            <p:cNvSpPr/>
+            <p:nvPr/>
+          </p:nvSpPr>
+          <p:spPr>
+            <a:xfrm>
+              <a:off x="1077132" y="4630697"/>
+              <a:ext cx="6307810" cy="556470"/>
+            </a:xfrm>
+            <a:prstGeom prst="rect">
+              <a:avLst/>
+            </a:prstGeom>
+            <a:ln>
+              <a:noFill/>
+            </a:ln>
+          </p:spPr>
+          <p:style>
+            <a:lnRef idx="2">
+              <a:schemeClr val="accent1">
+                <a:shade val="50000"/>
+              </a:schemeClr>
+            </a:lnRef>
+            <a:fillRef idx="1">
+              <a:schemeClr val="accent1"/>
+            </a:fillRef>
+            <a:effectRef idx="0">
+              <a:schemeClr val="accent1"/>
+            </a:effectRef>
+            <a:fontRef idx="minor">
+              <a:schemeClr val="lt1"/>
+            </a:fontRef>
+          </p:style>
+          <p:txBody>
+            <a:bodyPr rtlCol="0" anchor="ctr"/>
+            <a:lstStyle/>
+            <a:p>
+              <a:pPr algn="ctr"/>
+              <a:endParaRPr lang="en-US" sz="2400" dirty="0"/>
+            </a:p>
+          </p:txBody>
+        </p:sp>
+        <p:sp>
+          <p:nvSpPr>
+            <p:cNvPr id="42" name="Rounded Rectangle 41"/>
+            <p:cNvSpPr/>
+            <p:nvPr/>
+          </p:nvSpPr>
+          <p:spPr>
+            <a:xfrm>
+              <a:off x="2903510" y="3799115"/>
+              <a:ext cx="1911147" cy="637549"/>
+            </a:xfrm>
+            <a:prstGeom prst="roundRect">
+              <a:avLst/>
+            </a:prstGeom>
+            <a:ln>
+              <a:solidFill>
+                <a:schemeClr val="accent5"/>
+              </a:solidFill>
+            </a:ln>
+          </p:spPr>
+          <p:style>
+            <a:lnRef idx="2">
+              <a:schemeClr val="accent1">
+                <a:shade val="50000"/>
+              </a:schemeClr>
+            </a:lnRef>
+            <a:fillRef idx="1">
+              <a:schemeClr val="accent1"/>
+            </a:fillRef>
+            <a:effectRef idx="0">
+              <a:schemeClr val="accent1"/>
+            </a:effectRef>
+            <a:fontRef idx="minor">
+              <a:schemeClr val="lt1"/>
+            </a:fontRef>
+          </p:style>
+          <p:txBody>
+            <a:bodyPr rtlCol="0" anchor="ctr"/>
+            <a:lstStyle/>
+            <a:p>
+              <a:pPr algn="ctr"/>
+              <a:r>
+                <a:rPr lang="en-US" dirty="0" smtClean="0"/>
+                <a:t>Profiler</a:t>
+              </a:r>
+              <a:endParaRPr lang="en-US" dirty="0"/>
+            </a:p>
+          </p:txBody>
+        </p:sp>
+        <p:sp>
+          <p:nvSpPr>
+            <p:cNvPr id="43" name="Rounded Rectangle 42"/>
+            <p:cNvSpPr/>
+            <p:nvPr/>
+          </p:nvSpPr>
+          <p:spPr>
+            <a:xfrm>
+              <a:off x="4959151" y="3800202"/>
+              <a:ext cx="2349832" cy="662676"/>
+            </a:xfrm>
+            <a:prstGeom prst="roundRect">
+              <a:avLst/>
+            </a:prstGeom>
+            <a:ln>
+              <a:solidFill>
+                <a:schemeClr val="accent5"/>
+              </a:solidFill>
+            </a:ln>
+          </p:spPr>
+          <p:style>
+            <a:lnRef idx="2">
+              <a:schemeClr val="accent1">
+                <a:shade val="50000"/>
+              </a:schemeClr>
+            </a:lnRef>
+            <a:fillRef idx="1">
+              <a:schemeClr val="accent1"/>
+            </a:fillRef>
+            <a:effectRef idx="0">
+              <a:schemeClr val="accent1"/>
+            </a:effectRef>
+            <a:fontRef idx="minor">
+              <a:schemeClr val="lt1"/>
+            </a:fontRef>
+          </p:style>
+          <p:txBody>
+            <a:bodyPr rtlCol="0" anchor="ctr"/>
+            <a:lstStyle/>
+            <a:p>
+              <a:pPr algn="ctr"/>
+              <a:r>
+                <a:rPr lang="en-US" dirty="0" smtClean="0"/>
+                <a:t>Graph Builder</a:t>
+              </a:r>
+              <a:endParaRPr lang="en-US" dirty="0"/>
+            </a:p>
+          </p:txBody>
+        </p:sp>
+        <p:sp>
+          <p:nvSpPr>
+            <p:cNvPr id="44" name="Rounded Rectangle 43"/>
+            <p:cNvSpPr/>
+            <p:nvPr/>
+          </p:nvSpPr>
+          <p:spPr>
+            <a:xfrm>
+              <a:off x="1178958" y="1299734"/>
+              <a:ext cx="1829392" cy="603504"/>
+            </a:xfrm>
+            <a:prstGeom prst="roundRect">
+              <a:avLst/>
+            </a:prstGeom>
+            <a:ln>
+              <a:solidFill>
+                <a:schemeClr val="accent5"/>
+              </a:solidFill>
+            </a:ln>
+          </p:spPr>
+          <p:style>
+            <a:lnRef idx="2">
+              <a:schemeClr val="accent1">
+                <a:shade val="50000"/>
+              </a:schemeClr>
+            </a:lnRef>
+            <a:fillRef idx="1">
+              <a:schemeClr val="accent1"/>
+            </a:fillRef>
+            <a:effectRef idx="0">
+              <a:schemeClr val="accent1"/>
+            </a:effectRef>
+            <a:fontRef idx="minor">
+              <a:schemeClr val="lt1"/>
+            </a:fontRef>
+          </p:style>
+          <p:txBody>
+            <a:bodyPr rtlCol="0" anchor="ctr"/>
+            <a:lstStyle/>
+            <a:p>
+              <a:pPr algn="ctr"/>
+              <a:r>
+                <a:rPr lang="en-US" dirty="0" smtClean="0"/>
+                <a:t>Workflow Optimizer</a:t>
+              </a:r>
+              <a:endParaRPr lang="en-US" dirty="0"/>
+            </a:p>
+          </p:txBody>
+        </p:sp>
+      </p:grpSp>
+      <p:sp>
+        <p:nvSpPr>
+          <p:cNvPr id="37" name="Rectangle 36"/>
+          <p:cNvSpPr/>
+          <p:nvPr/>
+        </p:nvSpPr>
+        <p:spPr>
+          <a:xfrm>
+            <a:off x="2809288" y="2128160"/>
+            <a:ext cx="4588572" cy="1135201"/>
+          </a:xfrm>
+          <a:prstGeom prst="rect">
+            <a:avLst/>
+          </a:prstGeom>
+          <a:ln>
+            <a:noFill/>
+          </a:ln>
+        </p:spPr>
+        <p:style>
+          <a:lnRef idx="2">
+            <a:schemeClr val="accent1">
+              <a:shade val="50000"/>
+            </a:schemeClr>
+          </a:lnRef>
+          <a:fillRef idx="1">
+            <a:schemeClr val="accent1"/>
+          </a:fillRef>
+          <a:effectRef idx="0">
+            <a:schemeClr val="accent1"/>
+          </a:effectRef>
+          <a:fontRef idx="minor">
+            <a:schemeClr val="lt1"/>
+          </a:fontRef>
+        </p:style>
+        <p:txBody>
+          <a:bodyPr tIns="0" bIns="1005840" rtlCol="0" anchor="ctr"/>
+          <a:lstStyle/>
+          <a:p>
+            <a:pPr algn="ctr"/>
+            <a:endParaRPr lang="en-US" sz="2400" dirty="0" smtClean="0"/>
+          </a:p>
+          <a:p>
+            <a:pPr algn="ctr"/>
+            <a:r>
+              <a:rPr lang="en-US" sz="2400" dirty="0" smtClean="0"/>
+              <a:t>Linkage</a:t>
+            </a:r>
+            <a:endParaRPr lang="en-US" sz="2400" dirty="0"/>
+          </a:p>
+        </p:txBody>
+      </p:sp>
+      <p:sp>
+        <p:nvSpPr>
+          <p:cNvPr id="45" name="Rounded Rectangle 44"/>
+          <p:cNvSpPr/>
+          <p:nvPr/>
+        </p:nvSpPr>
+        <p:spPr>
+          <a:xfrm>
+            <a:off x="5186919" y="2557430"/>
+            <a:ext cx="2038185" cy="643180"/>
+          </a:xfrm>
+          <a:prstGeom prst="roundRect">
+            <a:avLst/>
+          </a:prstGeom>
+          <a:ln>
+            <a:solidFill>
+              <a:schemeClr val="accent5"/>
+            </a:solidFill>
+          </a:ln>
+        </p:spPr>
+        <p:style>
+          <a:lnRef idx="2">
+            <a:schemeClr val="accent1">
+              <a:shade val="50000"/>
+            </a:schemeClr>
+          </a:lnRef>
+          <a:fillRef idx="1">
+            <a:schemeClr val="accent1"/>
+          </a:fillRef>
+          <a:effectRef idx="0">
+            <a:schemeClr val="accent1"/>
+          </a:effectRef>
+          <a:fontRef idx="minor">
+            <a:schemeClr val="lt1"/>
+          </a:fontRef>
+        </p:style>
+        <p:txBody>
+          <a:bodyPr rtlCol="0" anchor="ctr"/>
+          <a:lstStyle/>
+          <a:p>
+            <a:pPr algn="ctr"/>
+            <a:r>
+              <a:rPr lang="en-US" dirty="0" smtClean="0"/>
+              <a:t>FK-PK Refiner</a:t>
+            </a:r>
+            <a:endParaRPr lang="en-US" dirty="0"/>
+          </a:p>
+        </p:txBody>
+      </p:sp>
+      <p:sp>
+        <p:nvSpPr>
+          <p:cNvPr id="82" name="Rounded Rectangle 81"/>
+          <p:cNvSpPr/>
+          <p:nvPr/>
+        </p:nvSpPr>
+        <p:spPr>
+          <a:xfrm>
+            <a:off x="2938291" y="2557430"/>
+            <a:ext cx="1876366" cy="643180"/>
+          </a:xfrm>
+          <a:prstGeom prst="roundRect">
+            <a:avLst/>
+          </a:prstGeom>
+          <a:ln>
+            <a:solidFill>
+              <a:schemeClr val="accent5"/>
+            </a:solidFill>
+          </a:ln>
+        </p:spPr>
+        <p:style>
+          <a:lnRef idx="2">
+            <a:schemeClr val="accent1">
+              <a:shade val="50000"/>
+            </a:schemeClr>
+          </a:lnRef>
+          <a:fillRef idx="1">
+            <a:schemeClr val="accent1"/>
+          </a:fillRef>
+          <a:effectRef idx="0">
+            <a:schemeClr val="accent1"/>
+          </a:effectRef>
+          <a:fontRef idx="minor">
+            <a:schemeClr val="lt1"/>
+          </a:fontRef>
+        </p:style>
+        <p:txBody>
+          <a:bodyPr rtlCol="0" anchor="ctr"/>
+          <a:lstStyle/>
+          <a:p>
+            <a:pPr algn="ctr"/>
+            <a:r>
+              <a:rPr lang="en-US" dirty="0" smtClean="0"/>
+              <a:t>Cleanliness Estimator</a:t>
+            </a:r>
+            <a:endParaRPr lang="en-US" dirty="0"/>
+          </a:p>
+        </p:txBody>
+      </p:sp>
+      <p:sp>
+        <p:nvSpPr>
+          <p:cNvPr id="83" name="Rounded Rectangle 82"/>
+          <p:cNvSpPr/>
+          <p:nvPr/>
+        </p:nvSpPr>
+        <p:spPr>
+          <a:xfrm>
+            <a:off x="3270325" y="1299734"/>
+            <a:ext cx="1829392" cy="603504"/>
+          </a:xfrm>
+          <a:prstGeom prst="roundRect">
+            <a:avLst/>
+          </a:prstGeom>
+          <a:ln>
+            <a:solidFill>
+              <a:schemeClr val="accent5"/>
+            </a:solidFill>
+          </a:ln>
+        </p:spPr>
+        <p:style>
+          <a:lnRef idx="2">
+            <a:schemeClr val="accent1">
+              <a:shade val="50000"/>
+            </a:schemeClr>
+          </a:lnRef>
+          <a:fillRef idx="1">
+            <a:schemeClr val="accent1"/>
+          </a:fillRef>
+          <a:effectRef idx="0">
+            <a:schemeClr val="accent1"/>
+          </a:effectRef>
+          <a:fontRef idx="minor">
+            <a:schemeClr val="lt1"/>
+          </a:fontRef>
+        </p:style>
+        <p:txBody>
+          <a:bodyPr rtlCol="0" anchor="ctr"/>
+          <a:lstStyle/>
+          <a:p>
+            <a:pPr algn="ctr"/>
+            <a:r>
+              <a:rPr lang="en-US" dirty="0" smtClean="0"/>
+              <a:t>Query</a:t>
+            </a:r>
+          </a:p>
+          <a:p>
+            <a:pPr algn="ctr"/>
+            <a:r>
+              <a:rPr lang="en-US" dirty="0" smtClean="0"/>
+              <a:t>Processor</a:t>
+            </a:r>
+            <a:endParaRPr lang="en-US" dirty="0"/>
+          </a:p>
+        </p:txBody>
+      </p:sp>
+      <p:sp>
+        <p:nvSpPr>
+          <p:cNvPr id="84" name="Rounded Rectangle 83"/>
+          <p:cNvSpPr/>
+          <p:nvPr/>
+        </p:nvSpPr>
+        <p:spPr>
+          <a:xfrm>
+            <a:off x="5322194" y="1299734"/>
+            <a:ext cx="1829392" cy="603504"/>
+          </a:xfrm>
+          <a:prstGeom prst="roundRect">
+            <a:avLst/>
+          </a:prstGeom>
+          <a:ln>
+            <a:solidFill>
+              <a:schemeClr val="accent5"/>
+            </a:solidFill>
+          </a:ln>
+        </p:spPr>
+        <p:style>
+          <a:lnRef idx="2">
+            <a:schemeClr val="accent1">
+              <a:shade val="50000"/>
+            </a:schemeClr>
+          </a:lnRef>
+          <a:fillRef idx="1">
+            <a:schemeClr val="accent1"/>
+          </a:fillRef>
+          <a:effectRef idx="0">
+            <a:schemeClr val="accent1"/>
+          </a:effectRef>
+          <a:fontRef idx="minor">
+            <a:schemeClr val="lt1"/>
+          </a:fontRef>
+        </p:style>
+        <p:txBody>
+          <a:bodyPr rtlCol="0" anchor="ctr"/>
+          <a:lstStyle/>
+          <a:p>
+            <a:pPr algn="ctr"/>
+            <a:r>
+              <a:rPr lang="en-US" dirty="0" smtClean="0"/>
+              <a:t>Quality Controller</a:t>
+            </a:r>
+            <a:endParaRPr lang="en-US" dirty="0"/>
+          </a:p>
+        </p:txBody>
+      </p:sp>
+      <p:sp>
+        <p:nvSpPr>
+          <p:cNvPr id="85" name="Left-Right Arrow 84"/>
+          <p:cNvSpPr/>
+          <p:nvPr/>
+        </p:nvSpPr>
+        <p:spPr>
+          <a:xfrm>
+            <a:off x="7404594" y="2551492"/>
+            <a:ext cx="673904" cy="371959"/>
+          </a:xfrm>
+          <a:prstGeom prst="leftRightArrow">
+            <a:avLst/>
+          </a:prstGeom>
+        </p:spPr>
+        <p:style>
+          <a:lnRef idx="2">
+            <a:schemeClr val="accent1">
+              <a:shade val="50000"/>
+            </a:schemeClr>
+          </a:lnRef>
+          <a:fillRef idx="1">
+            <a:schemeClr val="accent1"/>
+          </a:fillRef>
+          <a:effectRef idx="0">
+            <a:schemeClr val="accent1"/>
+          </a:effectRef>
+          <a:fontRef idx="minor">
+            <a:schemeClr val="lt1"/>
+          </a:fontRef>
+        </p:style>
+        <p:txBody>
+          <a:bodyPr rtlCol="0" anchor="ctr"/>
+          <a:lstStyle/>
+          <a:p>
+            <a:pPr algn="ctr"/>
+            <a:endParaRPr lang="en-US"/>
+          </a:p>
+        </p:txBody>
+      </p:sp>
+    </p:spTree>
+    <p:extLst>
+      <p:ext uri="{BB962C8B-B14F-4D97-AF65-F5344CB8AC3E}">
+        <p14:creationId xmlns:p14="http://schemas.microsoft.com/office/powerpoint/2010/main" val="2068713091"/>
+      </p:ext>
+    </p:extLst>
+  </p:cSld>
+  <p:clrMapOvr>
+    <a:masterClrMapping/>
+  </p:clrMapOvr>
+</p:sld>
+</file>
+
 <file path=ppt/theme/theme1.xml><?xml version="1.0" encoding="utf-8"?>
 <a:theme xmlns:a="http://schemas.openxmlformats.org/drawingml/2006/main" name="Office Theme">
   <a:themeElements>

--- a/figs.pptx
+++ b/figs.pptx
@@ -7017,7 +7017,11 @@
               <a:pPr algn="ctr"/>
               <a:r>
                 <a:rPr lang="en-US" dirty="0" smtClean="0"/>
-                <a:t>Workflow Optimizer</a:t>
+                <a:t>Workflow </a:t>
+              </a:r>
+              <a:r>
+                <a:rPr lang="en-US" dirty="0" smtClean="0"/>
+                <a:t>Orchestrator</a:t>
               </a:r>
               <a:endParaRPr lang="en-US" dirty="0"/>
             </a:p>

--- a/figs.pptx
+++ b/figs.pptx
@@ -245,7 +245,7 @@
           <a:p>
             <a:fld id="{FEB9F3C6-7DE9-0845-9093-50B66B4BEBAB}" type="datetimeFigureOut">
               <a:rPr lang="en-US" smtClean="0"/>
-              <a:t>7/29/16</a:t>
+              <a:t>8/9/16</a:t>
             </a:fld>
             <a:endParaRPr lang="en-US"/>
           </a:p>
@@ -415,7 +415,7 @@
           <a:p>
             <a:fld id="{FEB9F3C6-7DE9-0845-9093-50B66B4BEBAB}" type="datetimeFigureOut">
               <a:rPr lang="en-US" smtClean="0"/>
-              <a:t>7/29/16</a:t>
+              <a:t>8/9/16</a:t>
             </a:fld>
             <a:endParaRPr lang="en-US"/>
           </a:p>
@@ -595,7 +595,7 @@
           <a:p>
             <a:fld id="{FEB9F3C6-7DE9-0845-9093-50B66B4BEBAB}" type="datetimeFigureOut">
               <a:rPr lang="en-US" smtClean="0"/>
-              <a:t>7/29/16</a:t>
+              <a:t>8/9/16</a:t>
             </a:fld>
             <a:endParaRPr lang="en-US"/>
           </a:p>
@@ -765,7 +765,7 @@
           <a:p>
             <a:fld id="{FEB9F3C6-7DE9-0845-9093-50B66B4BEBAB}" type="datetimeFigureOut">
               <a:rPr lang="en-US" smtClean="0"/>
-              <a:t>7/29/16</a:t>
+              <a:t>8/9/16</a:t>
             </a:fld>
             <a:endParaRPr lang="en-US"/>
           </a:p>
@@ -1011,7 +1011,7 @@
           <a:p>
             <a:fld id="{FEB9F3C6-7DE9-0845-9093-50B66B4BEBAB}" type="datetimeFigureOut">
               <a:rPr lang="en-US" smtClean="0"/>
-              <a:t>7/29/16</a:t>
+              <a:t>8/9/16</a:t>
             </a:fld>
             <a:endParaRPr lang="en-US"/>
           </a:p>
@@ -1243,7 +1243,7 @@
           <a:p>
             <a:fld id="{FEB9F3C6-7DE9-0845-9093-50B66B4BEBAB}" type="datetimeFigureOut">
               <a:rPr lang="en-US" smtClean="0"/>
-              <a:t>7/29/16</a:t>
+              <a:t>8/9/16</a:t>
             </a:fld>
             <a:endParaRPr lang="en-US"/>
           </a:p>
@@ -1610,7 +1610,7 @@
           <a:p>
             <a:fld id="{FEB9F3C6-7DE9-0845-9093-50B66B4BEBAB}" type="datetimeFigureOut">
               <a:rPr lang="en-US" smtClean="0"/>
-              <a:t>7/29/16</a:t>
+              <a:t>8/9/16</a:t>
             </a:fld>
             <a:endParaRPr lang="en-US"/>
           </a:p>
@@ -1728,7 +1728,7 @@
           <a:p>
             <a:fld id="{FEB9F3C6-7DE9-0845-9093-50B66B4BEBAB}" type="datetimeFigureOut">
               <a:rPr lang="en-US" smtClean="0"/>
-              <a:t>7/29/16</a:t>
+              <a:t>8/9/16</a:t>
             </a:fld>
             <a:endParaRPr lang="en-US"/>
           </a:p>
@@ -1823,7 +1823,7 @@
           <a:p>
             <a:fld id="{FEB9F3C6-7DE9-0845-9093-50B66B4BEBAB}" type="datetimeFigureOut">
               <a:rPr lang="en-US" smtClean="0"/>
-              <a:t>7/29/16</a:t>
+              <a:t>8/9/16</a:t>
             </a:fld>
             <a:endParaRPr lang="en-US"/>
           </a:p>
@@ -2100,7 +2100,7 @@
           <a:p>
             <a:fld id="{FEB9F3C6-7DE9-0845-9093-50B66B4BEBAB}" type="datetimeFigureOut">
               <a:rPr lang="en-US" smtClean="0"/>
-              <a:t>7/29/16</a:t>
+              <a:t>8/9/16</a:t>
             </a:fld>
             <a:endParaRPr lang="en-US"/>
           </a:p>
@@ -2353,7 +2353,7 @@
           <a:p>
             <a:fld id="{FEB9F3C6-7DE9-0845-9093-50B66B4BEBAB}" type="datetimeFigureOut">
               <a:rPr lang="en-US" smtClean="0"/>
-              <a:t>7/29/16</a:t>
+              <a:t>8/9/16</a:t>
             </a:fld>
             <a:endParaRPr lang="en-US"/>
           </a:p>
@@ -2566,7 +2566,7 @@
           <a:p>
             <a:fld id="{FEB9F3C6-7DE9-0845-9093-50B66B4BEBAB}" type="datetimeFigureOut">
               <a:rPr lang="en-US" smtClean="0"/>
-              <a:t>7/29/16</a:t>
+              <a:t>8/9/16</a:t>
             </a:fld>
             <a:endParaRPr lang="en-US"/>
           </a:p>
@@ -7017,11 +7017,7 @@
               <a:pPr algn="ctr"/>
               <a:r>
                 <a:rPr lang="en-US" dirty="0" smtClean="0"/>
-                <a:t>Workflow </a:t>
-              </a:r>
-              <a:r>
-                <a:rPr lang="en-US" dirty="0" smtClean="0"/>
-                <a:t>Orchestrator</a:t>
+                <a:t>Workflow Orchestrator</a:t>
               </a:r>
               <a:endParaRPr lang="en-US" dirty="0"/>
             </a:p>
@@ -7122,7 +7118,7 @@
             <a:pPr algn="ctr"/>
             <a:r>
               <a:rPr lang="en-US" dirty="0" smtClean="0"/>
-              <a:t>FK-PK Refiner</a:t>
+              <a:t>FK-PK Finder</a:t>
             </a:r>
             <a:endParaRPr lang="en-US" dirty="0"/>
           </a:p>
